--- a/Identification and authentication.pptx
+++ b/Identification and authentication.pptx
@@ -8,6 +8,14 @@
     <p:sldId id="256" r:id="rId2"/>
     <p:sldId id="257" r:id="rId3"/>
     <p:sldId id="258" r:id="rId4"/>
+    <p:sldId id="259" r:id="rId5"/>
+    <p:sldId id="260" r:id="rId6"/>
+    <p:sldId id="261" r:id="rId7"/>
+    <p:sldId id="263" r:id="rId8"/>
+    <p:sldId id="264" r:id="rId9"/>
+    <p:sldId id="265" r:id="rId10"/>
+    <p:sldId id="266" r:id="rId11"/>
+    <p:sldId id="267" r:id="rId12"/>
   </p:sldIdLst>
   <p:sldSz cx="12192000" cy="6858000"/>
   <p:notesSz cx="6858000" cy="9144000"/>
@@ -5414,6 +5422,671 @@
 </p:sld>
 </file>
 
+<file path=ppt/slides/slide10.xml><?xml version="1.0" encoding="utf-8"?>
+<p:sld xmlns:a="http://schemas.openxmlformats.org/drawingml/2006/main" xmlns:r="http://schemas.openxmlformats.org/officeDocument/2006/relationships" xmlns:p="http://schemas.openxmlformats.org/presentationml/2006/main">
+  <p:cSld>
+    <p:spTree>
+      <p:nvGrpSpPr>
+        <p:cNvPr id="1" name=""/>
+        <p:cNvGrpSpPr/>
+        <p:nvPr/>
+      </p:nvGrpSpPr>
+      <p:grpSpPr>
+        <a:xfrm>
+          <a:off x="0" y="0"/>
+          <a:ext cx="0" cy="0"/>
+          <a:chOff x="0" y="0"/>
+          <a:chExt cx="0" cy="0"/>
+        </a:xfrm>
+      </p:grpSpPr>
+      <p:sp>
+        <p:nvSpPr>
+          <p:cNvPr id="3" name="Sisällön paikkamerkki 2"/>
+          <p:cNvSpPr>
+            <a:spLocks noGrp="1"/>
+          </p:cNvSpPr>
+          <p:nvPr>
+            <p:ph idx="1"/>
+          </p:nvPr>
+        </p:nvSpPr>
+        <p:spPr>
+          <a:xfrm>
+            <a:off x="675823" y="1180751"/>
+            <a:ext cx="8534400" cy="3615267"/>
+          </a:xfrm>
+        </p:spPr>
+        <p:txBody>
+          <a:bodyPr>
+            <a:normAutofit/>
+          </a:bodyPr>
+          <a:lstStyle/>
+          <a:p>
+            <a:r>
+              <a:rPr lang="fi-FI" sz="3800" dirty="0" err="1">
+                <a:solidFill>
+                  <a:schemeClr val="tx1"/>
+                </a:solidFill>
+              </a:rPr>
+              <a:t>heavily</a:t>
+            </a:r>
+            <a:r>
+              <a:rPr lang="fi-FI" sz="3800" dirty="0">
+                <a:solidFill>
+                  <a:schemeClr val="tx1"/>
+                </a:solidFill>
+              </a:rPr>
+              <a:t> </a:t>
+            </a:r>
+            <a:r>
+              <a:rPr lang="fi-FI" sz="3800" dirty="0" err="1">
+                <a:solidFill>
+                  <a:schemeClr val="tx1"/>
+                </a:solidFill>
+              </a:rPr>
+              <a:t>relies</a:t>
+            </a:r>
+            <a:r>
+              <a:rPr lang="fi-FI" sz="3800" dirty="0">
+                <a:solidFill>
+                  <a:schemeClr val="tx1"/>
+                </a:solidFill>
+              </a:rPr>
+              <a:t> on </a:t>
+            </a:r>
+            <a:r>
+              <a:rPr lang="fi-FI" sz="3800" dirty="0" err="1">
+                <a:solidFill>
+                  <a:schemeClr val="tx1"/>
+                </a:solidFill>
+              </a:rPr>
+              <a:t>policies</a:t>
+            </a:r>
+            <a:endParaRPr lang="fi-FI" sz="3800" dirty="0">
+              <a:solidFill>
+                <a:schemeClr val="tx1"/>
+              </a:solidFill>
+            </a:endParaRPr>
+          </a:p>
+          <a:p>
+            <a:r>
+              <a:rPr lang="fi-FI" sz="3800" dirty="0" err="1">
+                <a:solidFill>
+                  <a:schemeClr val="tx1"/>
+                </a:solidFill>
+              </a:rPr>
+              <a:t>policies</a:t>
+            </a:r>
+            <a:r>
+              <a:rPr lang="fi-FI" sz="3800" dirty="0">
+                <a:solidFill>
+                  <a:schemeClr val="tx1"/>
+                </a:solidFill>
+              </a:rPr>
+              <a:t> </a:t>
+            </a:r>
+            <a:r>
+              <a:rPr lang="fi-FI" sz="3800" dirty="0" err="1">
+                <a:solidFill>
+                  <a:schemeClr val="tx1"/>
+                </a:solidFill>
+              </a:rPr>
+              <a:t>define</a:t>
+            </a:r>
+            <a:r>
+              <a:rPr lang="fi-FI" sz="3800" dirty="0">
+                <a:solidFill>
+                  <a:schemeClr val="tx1"/>
+                </a:solidFill>
+              </a:rPr>
+              <a:t> </a:t>
+            </a:r>
+            <a:r>
+              <a:rPr lang="fi-FI" sz="3800" dirty="0" err="1">
+                <a:solidFill>
+                  <a:schemeClr val="tx1"/>
+                </a:solidFill>
+              </a:rPr>
+              <a:t>whether</a:t>
+            </a:r>
+            <a:r>
+              <a:rPr lang="fi-FI" sz="3800" dirty="0">
+                <a:solidFill>
+                  <a:schemeClr val="tx1"/>
+                </a:solidFill>
+              </a:rPr>
+              <a:t> </a:t>
+            </a:r>
+            <a:r>
+              <a:rPr lang="fi-FI" sz="3800" dirty="0" err="1">
+                <a:solidFill>
+                  <a:schemeClr val="tx1"/>
+                </a:solidFill>
+              </a:rPr>
+              <a:t>user</a:t>
+            </a:r>
+            <a:r>
+              <a:rPr lang="fi-FI" sz="3800" dirty="0">
+                <a:solidFill>
+                  <a:schemeClr val="tx1"/>
+                </a:solidFill>
+              </a:rPr>
+              <a:t> is </a:t>
+            </a:r>
+            <a:r>
+              <a:rPr lang="fi-FI" sz="3800" dirty="0" err="1">
+                <a:solidFill>
+                  <a:schemeClr val="tx1"/>
+                </a:solidFill>
+              </a:rPr>
+              <a:t>permitted</a:t>
+            </a:r>
+            <a:r>
+              <a:rPr lang="fi-FI" sz="3800" dirty="0">
+                <a:solidFill>
+                  <a:schemeClr val="tx1"/>
+                </a:solidFill>
+              </a:rPr>
+              <a:t> to </a:t>
+            </a:r>
+            <a:r>
+              <a:rPr lang="fi-FI" sz="3800" dirty="0" err="1">
+                <a:solidFill>
+                  <a:schemeClr val="tx1"/>
+                </a:solidFill>
+              </a:rPr>
+              <a:t>access</a:t>
+            </a:r>
+            <a:r>
+              <a:rPr lang="fi-FI" sz="3800" dirty="0">
+                <a:solidFill>
+                  <a:schemeClr val="tx1"/>
+                </a:solidFill>
+              </a:rPr>
+              <a:t> </a:t>
+            </a:r>
+            <a:r>
+              <a:rPr lang="fi-FI" sz="3800" dirty="0" err="1">
+                <a:solidFill>
+                  <a:schemeClr val="tx1"/>
+                </a:solidFill>
+              </a:rPr>
+              <a:t>protected</a:t>
+            </a:r>
+            <a:r>
+              <a:rPr lang="fi-FI" sz="3800" dirty="0">
+                <a:solidFill>
+                  <a:schemeClr val="tx1"/>
+                </a:solidFill>
+              </a:rPr>
+              <a:t> </a:t>
+            </a:r>
+            <a:r>
+              <a:rPr lang="fi-FI" sz="3800" dirty="0" err="1">
+                <a:solidFill>
+                  <a:schemeClr val="tx1"/>
+                </a:solidFill>
+              </a:rPr>
+              <a:t>resources</a:t>
+            </a:r>
+            <a:endParaRPr lang="fi-FI" sz="3800" dirty="0">
+              <a:solidFill>
+                <a:schemeClr val="tx1"/>
+              </a:solidFill>
+            </a:endParaRPr>
+          </a:p>
+          <a:p>
+            <a:endParaRPr lang="en-GB" sz="3800" dirty="0">
+              <a:solidFill>
+                <a:schemeClr val="tx1"/>
+              </a:solidFill>
+            </a:endParaRPr>
+          </a:p>
+        </p:txBody>
+      </p:sp>
+    </p:spTree>
+    <p:extLst>
+      <p:ext uri="{BB962C8B-B14F-4D97-AF65-F5344CB8AC3E}">
+        <p14:creationId xmlns:p14="http://schemas.microsoft.com/office/powerpoint/2010/main" val="1997718093"/>
+      </p:ext>
+    </p:extLst>
+  </p:cSld>
+  <p:clrMapOvr>
+    <a:masterClrMapping/>
+  </p:clrMapOvr>
+</p:sld>
+</file>
+
+<file path=ppt/slides/slide11.xml><?xml version="1.0" encoding="utf-8"?>
+<p:sld xmlns:a="http://schemas.openxmlformats.org/drawingml/2006/main" xmlns:r="http://schemas.openxmlformats.org/officeDocument/2006/relationships" xmlns:p="http://schemas.openxmlformats.org/presentationml/2006/main">
+  <p:cSld>
+    <p:spTree>
+      <p:nvGrpSpPr>
+        <p:cNvPr id="1" name=""/>
+        <p:cNvGrpSpPr/>
+        <p:nvPr/>
+      </p:nvGrpSpPr>
+      <p:grpSpPr>
+        <a:xfrm>
+          <a:off x="0" y="0"/>
+          <a:ext cx="0" cy="0"/>
+          <a:chOff x="0" y="0"/>
+          <a:chExt cx="0" cy="0"/>
+        </a:xfrm>
+      </p:grpSpPr>
+      <p:sp>
+        <p:nvSpPr>
+          <p:cNvPr id="3" name="Sisällön paikkamerkki 2"/>
+          <p:cNvSpPr>
+            <a:spLocks noGrp="1"/>
+          </p:cNvSpPr>
+          <p:nvPr>
+            <p:ph idx="1"/>
+          </p:nvPr>
+        </p:nvSpPr>
+        <p:spPr>
+          <a:xfrm>
+            <a:off x="684212" y="218114"/>
+            <a:ext cx="8534400" cy="4924337"/>
+          </a:xfrm>
+        </p:spPr>
+        <p:txBody>
+          <a:bodyPr>
+            <a:normAutofit/>
+          </a:bodyPr>
+          <a:lstStyle/>
+          <a:p>
+            <a:pPr marL="0" indent="0">
+              <a:buNone/>
+            </a:pPr>
+            <a:r>
+              <a:rPr lang="fi-FI" sz="3800" dirty="0" err="1">
+                <a:solidFill>
+                  <a:schemeClr val="tx1"/>
+                </a:solidFill>
+              </a:rPr>
+              <a:t>Last</a:t>
+            </a:r>
+            <a:r>
+              <a:rPr lang="fi-FI" sz="3800" dirty="0">
+                <a:solidFill>
+                  <a:schemeClr val="tx1"/>
+                </a:solidFill>
+              </a:rPr>
+              <a:t> </a:t>
+            </a:r>
+            <a:r>
+              <a:rPr lang="fi-FI" sz="3800" dirty="0" err="1">
+                <a:solidFill>
+                  <a:schemeClr val="tx1"/>
+                </a:solidFill>
+              </a:rPr>
+              <a:t>but</a:t>
+            </a:r>
+            <a:r>
+              <a:rPr lang="fi-FI" sz="3800" dirty="0">
+                <a:solidFill>
+                  <a:schemeClr val="tx1"/>
+                </a:solidFill>
+              </a:rPr>
+              <a:t> </a:t>
+            </a:r>
+            <a:r>
+              <a:rPr lang="fi-FI" sz="3800" dirty="0" err="1">
+                <a:solidFill>
+                  <a:schemeClr val="tx1"/>
+                </a:solidFill>
+              </a:rPr>
+              <a:t>not</a:t>
+            </a:r>
+            <a:r>
+              <a:rPr lang="fi-FI" sz="3800" dirty="0">
+                <a:solidFill>
+                  <a:schemeClr val="tx1"/>
+                </a:solidFill>
+              </a:rPr>
+              <a:t> </a:t>
+            </a:r>
+            <a:r>
+              <a:rPr lang="fi-FI" sz="3800" dirty="0" err="1">
+                <a:solidFill>
+                  <a:schemeClr val="tx1"/>
+                </a:solidFill>
+              </a:rPr>
+              <a:t>least</a:t>
+            </a:r>
+            <a:r>
+              <a:rPr lang="fi-FI" sz="3800" dirty="0">
+                <a:solidFill>
+                  <a:schemeClr val="tx1"/>
+                </a:solidFill>
+              </a:rPr>
+              <a:t>! </a:t>
+            </a:r>
+            <a:r>
+              <a:rPr lang="fi-FI" sz="3800" dirty="0" err="1">
+                <a:solidFill>
+                  <a:schemeClr val="tx1"/>
+                </a:solidFill>
+              </a:rPr>
+              <a:t>Helpful</a:t>
+            </a:r>
+            <a:r>
+              <a:rPr lang="fi-FI" sz="3800" dirty="0">
+                <a:solidFill>
+                  <a:schemeClr val="tx1"/>
+                </a:solidFill>
+              </a:rPr>
+              <a:t> </a:t>
+            </a:r>
+            <a:r>
+              <a:rPr lang="fi-FI" sz="3800" dirty="0" err="1">
+                <a:solidFill>
+                  <a:schemeClr val="tx1"/>
+                </a:solidFill>
+              </a:rPr>
+              <a:t>tips</a:t>
+            </a:r>
+            <a:r>
+              <a:rPr lang="fi-FI" sz="3800" dirty="0">
+                <a:solidFill>
+                  <a:schemeClr val="tx1"/>
+                </a:solidFill>
+              </a:rPr>
+              <a:t> to </a:t>
+            </a:r>
+            <a:r>
+              <a:rPr lang="fi-FI" sz="3800" dirty="0" err="1">
+                <a:solidFill>
+                  <a:schemeClr val="tx1"/>
+                </a:solidFill>
+              </a:rPr>
+              <a:t>prevent</a:t>
+            </a:r>
+            <a:r>
+              <a:rPr lang="fi-FI" sz="3800" dirty="0">
+                <a:solidFill>
+                  <a:schemeClr val="tx1"/>
+                </a:solidFill>
+              </a:rPr>
+              <a:t> </a:t>
+            </a:r>
+            <a:r>
+              <a:rPr lang="fi-FI" sz="3800" dirty="0" err="1">
+                <a:solidFill>
+                  <a:schemeClr val="tx1"/>
+                </a:solidFill>
+              </a:rPr>
+              <a:t>unpleasant</a:t>
+            </a:r>
+            <a:r>
+              <a:rPr lang="fi-FI" sz="3800" dirty="0">
+                <a:solidFill>
+                  <a:schemeClr val="tx1"/>
+                </a:solidFill>
+              </a:rPr>
+              <a:t> </a:t>
+            </a:r>
+            <a:r>
+              <a:rPr lang="fi-FI" sz="3800" dirty="0" err="1">
+                <a:solidFill>
+                  <a:schemeClr val="tx1"/>
+                </a:solidFill>
+              </a:rPr>
+              <a:t>experience</a:t>
+            </a:r>
+            <a:endParaRPr lang="fi-FI" sz="3800" dirty="0">
+              <a:solidFill>
+                <a:schemeClr val="tx1"/>
+              </a:solidFill>
+            </a:endParaRPr>
+          </a:p>
+          <a:p>
+            <a:pPr lvl="1">
+              <a:buFont typeface="Arial" panose="020B0604020202020204" pitchFamily="34" charset="0"/>
+              <a:buChar char="•"/>
+            </a:pPr>
+            <a:r>
+              <a:rPr lang="fi-FI" sz="3200" dirty="0">
+                <a:solidFill>
+                  <a:schemeClr val="tx1"/>
+                </a:solidFill>
+              </a:rPr>
+              <a:t>STRONG </a:t>
+            </a:r>
+            <a:r>
+              <a:rPr lang="fi-FI" sz="3200" dirty="0" err="1">
+                <a:solidFill>
+                  <a:schemeClr val="tx1"/>
+                </a:solidFill>
+              </a:rPr>
+              <a:t>password</a:t>
+            </a:r>
+            <a:endParaRPr lang="fi-FI" sz="3200" dirty="0">
+              <a:solidFill>
+                <a:schemeClr val="tx1"/>
+              </a:solidFill>
+            </a:endParaRPr>
+          </a:p>
+          <a:p>
+            <a:pPr lvl="1">
+              <a:buFont typeface="Arial" panose="020B0604020202020204" pitchFamily="34" charset="0"/>
+              <a:buChar char="•"/>
+            </a:pPr>
+            <a:r>
+              <a:rPr lang="fi-FI" sz="3200" dirty="0" err="1">
+                <a:solidFill>
+                  <a:schemeClr val="tx1"/>
+                </a:solidFill>
+              </a:rPr>
+              <a:t>Don’t</a:t>
+            </a:r>
+            <a:r>
+              <a:rPr lang="fi-FI" sz="3200" dirty="0">
+                <a:solidFill>
+                  <a:schemeClr val="tx1"/>
+                </a:solidFill>
+              </a:rPr>
+              <a:t> </a:t>
+            </a:r>
+            <a:r>
+              <a:rPr lang="fi-FI" sz="3200" dirty="0" err="1">
+                <a:solidFill>
+                  <a:schemeClr val="tx1"/>
+                </a:solidFill>
+              </a:rPr>
+              <a:t>reveal</a:t>
+            </a:r>
+            <a:r>
+              <a:rPr lang="fi-FI" sz="3200" dirty="0">
+                <a:solidFill>
+                  <a:schemeClr val="tx1"/>
+                </a:solidFill>
+              </a:rPr>
+              <a:t> </a:t>
+            </a:r>
+            <a:r>
+              <a:rPr lang="fi-FI" sz="3200" dirty="0" err="1">
+                <a:solidFill>
+                  <a:schemeClr val="tx1"/>
+                </a:solidFill>
+              </a:rPr>
+              <a:t>your</a:t>
+            </a:r>
+            <a:r>
+              <a:rPr lang="fi-FI" sz="3200" dirty="0">
+                <a:solidFill>
+                  <a:schemeClr val="tx1"/>
+                </a:solidFill>
+              </a:rPr>
+              <a:t> </a:t>
+            </a:r>
+            <a:r>
+              <a:rPr lang="fi-FI" sz="3200" dirty="0" err="1">
+                <a:solidFill>
+                  <a:schemeClr val="tx1"/>
+                </a:solidFill>
+              </a:rPr>
+              <a:t>keylist</a:t>
+            </a:r>
+            <a:r>
+              <a:rPr lang="fi-FI" sz="3200" dirty="0">
+                <a:solidFill>
+                  <a:schemeClr val="tx1"/>
+                </a:solidFill>
+              </a:rPr>
+              <a:t> </a:t>
+            </a:r>
+            <a:r>
+              <a:rPr lang="fi-FI" sz="3200" dirty="0" err="1">
+                <a:solidFill>
+                  <a:schemeClr val="tx1"/>
+                </a:solidFill>
+              </a:rPr>
+              <a:t>or</a:t>
+            </a:r>
+            <a:r>
+              <a:rPr lang="fi-FI" sz="3200" dirty="0">
+                <a:solidFill>
+                  <a:schemeClr val="tx1"/>
+                </a:solidFill>
+              </a:rPr>
+              <a:t> PIN</a:t>
+            </a:r>
+          </a:p>
+          <a:p>
+            <a:pPr lvl="1">
+              <a:buFont typeface="Arial" panose="020B0604020202020204" pitchFamily="34" charset="0"/>
+              <a:buChar char="•"/>
+            </a:pPr>
+            <a:r>
+              <a:rPr lang="fi-FI" sz="3200" dirty="0" err="1">
+                <a:solidFill>
+                  <a:schemeClr val="tx1"/>
+                </a:solidFill>
+              </a:rPr>
+              <a:t>Use</a:t>
+            </a:r>
+            <a:r>
+              <a:rPr lang="fi-FI" sz="3200" dirty="0">
+                <a:solidFill>
+                  <a:schemeClr val="tx1"/>
+                </a:solidFill>
+              </a:rPr>
+              <a:t> </a:t>
+            </a:r>
+            <a:r>
+              <a:rPr lang="fi-FI" sz="3200" dirty="0" err="1">
+                <a:solidFill>
+                  <a:schemeClr val="tx1"/>
+                </a:solidFill>
+              </a:rPr>
+              <a:t>multi-factor</a:t>
+            </a:r>
+            <a:r>
+              <a:rPr lang="fi-FI" sz="3200" dirty="0">
+                <a:solidFill>
+                  <a:schemeClr val="tx1"/>
+                </a:solidFill>
+              </a:rPr>
+              <a:t> </a:t>
+            </a:r>
+            <a:r>
+              <a:rPr lang="fi-FI" sz="3200" dirty="0" err="1">
+                <a:solidFill>
+                  <a:schemeClr val="tx1"/>
+                </a:solidFill>
+              </a:rPr>
+              <a:t>authentication</a:t>
+            </a:r>
+            <a:r>
+              <a:rPr lang="fi-FI" sz="3200" dirty="0">
+                <a:solidFill>
+                  <a:schemeClr val="tx1"/>
+                </a:solidFill>
+              </a:rPr>
+              <a:t> </a:t>
+            </a:r>
+            <a:r>
+              <a:rPr lang="fi-FI" sz="3200" dirty="0" err="1">
+                <a:solidFill>
+                  <a:schemeClr val="tx1"/>
+                </a:solidFill>
+              </a:rPr>
+              <a:t>where</a:t>
+            </a:r>
+            <a:r>
+              <a:rPr lang="fi-FI" sz="3200" dirty="0">
+                <a:solidFill>
+                  <a:schemeClr val="tx1"/>
+                </a:solidFill>
+              </a:rPr>
+              <a:t> </a:t>
+            </a:r>
+            <a:r>
+              <a:rPr lang="fi-FI" sz="3200" dirty="0" err="1">
+                <a:solidFill>
+                  <a:schemeClr val="tx1"/>
+                </a:solidFill>
+              </a:rPr>
+              <a:t>possible</a:t>
+            </a:r>
+            <a:endParaRPr lang="fi-FI" sz="3200" dirty="0">
+              <a:solidFill>
+                <a:schemeClr val="tx1"/>
+              </a:solidFill>
+            </a:endParaRPr>
+          </a:p>
+          <a:p>
+            <a:pPr marL="0" indent="0">
+              <a:buNone/>
+            </a:pPr>
+            <a:r>
+              <a:rPr lang="fi-FI" sz="3800" dirty="0">
+                <a:solidFill>
+                  <a:schemeClr val="tx1"/>
+                </a:solidFill>
+              </a:rPr>
+              <a:t>	</a:t>
+            </a:r>
+            <a:r>
+              <a:rPr lang="fi-FI" sz="3800">
+                <a:solidFill>
+                  <a:schemeClr val="tx1"/>
+                </a:solidFill>
+              </a:rPr>
+              <a:t>	</a:t>
+            </a:r>
+            <a:endParaRPr lang="fi-FI" sz="3800" dirty="0">
+              <a:solidFill>
+                <a:schemeClr val="tx1"/>
+              </a:solidFill>
+            </a:endParaRPr>
+          </a:p>
+          <a:p>
+            <a:pPr marL="0" indent="0">
+              <a:buNone/>
+            </a:pPr>
+            <a:endParaRPr lang="en-GB" sz="3800" dirty="0">
+              <a:solidFill>
+                <a:schemeClr val="tx1"/>
+              </a:solidFill>
+            </a:endParaRPr>
+          </a:p>
+        </p:txBody>
+      </p:sp>
+    </p:spTree>
+    <p:extLst>
+      <p:ext uri="{BB962C8B-B14F-4D97-AF65-F5344CB8AC3E}">
+        <p14:creationId xmlns:p14="http://schemas.microsoft.com/office/powerpoint/2010/main" val="54245281"/>
+      </p:ext>
+    </p:extLst>
+  </p:cSld>
+  <p:clrMapOvr>
+    <a:masterClrMapping/>
+  </p:clrMapOvr>
+</p:sld>
+</file>
+
 <file path=ppt/slides/slide2.xml><?xml version="1.0" encoding="utf-8"?>
 <p:sld xmlns:a="http://schemas.openxmlformats.org/drawingml/2006/main" xmlns:r="http://schemas.openxmlformats.org/officeDocument/2006/relationships" xmlns:p="http://schemas.openxmlformats.org/presentationml/2006/main">
   <p:cSld>
@@ -5490,55 +6163,8 @@
                   <a:schemeClr val="tx1"/>
                 </a:solidFill>
               </a:rPr>
-              <a:t>?</a:t>
-            </a:r>
-          </a:p>
-          <a:p>
-            <a:r>
-              <a:rPr lang="fi-FI" sz="3800" dirty="0" err="1">
-                <a:solidFill>
-                  <a:schemeClr val="tx1"/>
-                </a:solidFill>
-              </a:rPr>
-              <a:t>Verifying</a:t>
-            </a:r>
-            <a:r>
-              <a:rPr lang="fi-FI" sz="3800" dirty="0">
-                <a:solidFill>
-                  <a:schemeClr val="tx1"/>
-                </a:solidFill>
-              </a:rPr>
-              <a:t> </a:t>
-            </a:r>
-            <a:r>
-              <a:rPr lang="fi-FI" sz="3800" dirty="0" err="1">
-                <a:solidFill>
-                  <a:schemeClr val="tx1"/>
-                </a:solidFill>
-              </a:rPr>
-              <a:t>someone’s</a:t>
-            </a:r>
-            <a:r>
-              <a:rPr lang="fi-FI" sz="3800" dirty="0">
-                <a:solidFill>
-                  <a:schemeClr val="tx1"/>
-                </a:solidFill>
-              </a:rPr>
-              <a:t> </a:t>
-            </a:r>
-            <a:r>
-              <a:rPr lang="fi-FI" sz="3800" dirty="0" err="1">
-                <a:solidFill>
-                  <a:schemeClr val="tx1"/>
-                </a:solidFill>
-              </a:rPr>
-              <a:t>identity</a:t>
-            </a:r>
-            <a:endParaRPr lang="fi-FI" sz="3800" dirty="0">
-              <a:solidFill>
-                <a:schemeClr val="tx1"/>
-              </a:solidFill>
-            </a:endParaRPr>
+              <a:t>??</a:t>
+            </a:r>
           </a:p>
           <a:p>
             <a:r>
@@ -5852,55 +6478,6 @@
                       </p:childTnLst>
                     </p:cTn>
                   </p:par>
-                  <p:par>
-                    <p:cTn id="15" fill="hold">
-                      <p:stCondLst>
-                        <p:cond delay="indefinite"/>
-                      </p:stCondLst>
-                      <p:childTnLst>
-                        <p:par>
-                          <p:cTn id="16" fill="hold">
-                            <p:stCondLst>
-                              <p:cond delay="0"/>
-                            </p:stCondLst>
-                            <p:childTnLst>
-                              <p:par>
-                                <p:cTn id="17" presetID="1" presetClass="entr" presetSubtype="0" fill="hold" grpId="0" nodeType="clickEffect">
-                                  <p:stCondLst>
-                                    <p:cond delay="0"/>
-                                  </p:stCondLst>
-                                  <p:childTnLst>
-                                    <p:set>
-                                      <p:cBhvr>
-                                        <p:cTn id="18" dur="1" fill="hold">
-                                          <p:stCondLst>
-                                            <p:cond delay="0"/>
-                                          </p:stCondLst>
-                                        </p:cTn>
-                                        <p:tgtEl>
-                                          <p:spTgt spid="3">
-                                            <p:txEl>
-                                              <p:pRg st="4" end="4"/>
-                                            </p:txEl>
-                                          </p:spTgt>
-                                        </p:tgtEl>
-                                        <p:attrNameLst>
-                                          <p:attrName>style.visibility</p:attrName>
-                                        </p:attrNameLst>
-                                      </p:cBhvr>
-                                      <p:to>
-                                        <p:strVal val="visible"/>
-                                      </p:to>
-                                    </p:set>
-                                  </p:childTnLst>
-                                </p:cTn>
-                              </p:par>
-                            </p:childTnLst>
-                          </p:cTn>
-                        </p:par>
-                      </p:childTnLst>
-                    </p:cTn>
-                  </p:par>
                 </p:childTnLst>
               </p:cTn>
               <p:prevCondLst>
@@ -6003,19 +6580,19 @@
         <p:spPr>
           <a:xfrm>
             <a:off x="684212" y="1581790"/>
-            <a:ext cx="8534400" cy="2719277"/>
+            <a:ext cx="8534400" cy="4659619"/>
           </a:xfrm>
         </p:spPr>
         <p:txBody>
           <a:bodyPr>
-            <a:normAutofit fontScale="62500" lnSpcReduction="20000"/>
+            <a:normAutofit fontScale="55000" lnSpcReduction="20000"/>
           </a:bodyPr>
           <a:lstStyle/>
           <a:p>
             <a:pPr marL="0" indent="0">
               <a:buNone/>
             </a:pPr>
-            <a:endParaRPr lang="fi-FI" sz="3800" dirty="0">
+            <a:endParaRPr lang="fi-FI" sz="5100" dirty="0">
               <a:solidFill>
                 <a:schemeClr val="tx1"/>
               </a:solidFill>
@@ -6027,7 +6604,7 @@
               <a:buChar char="Ø"/>
             </a:pPr>
             <a:r>
-              <a:rPr lang="fi-FI" sz="3200" dirty="0" err="1">
+              <a:rPr lang="fi-FI" sz="6700" dirty="0" err="1">
                 <a:solidFill>
                   <a:schemeClr val="tx1"/>
                 </a:solidFill>
@@ -6035,7 +6612,7 @@
               <a:t>Identifiers</a:t>
             </a:r>
             <a:r>
-              <a:rPr lang="fi-FI" sz="3200" dirty="0">
+              <a:rPr lang="fi-FI" sz="6700" dirty="0">
                 <a:solidFill>
                   <a:schemeClr val="tx1"/>
                 </a:solidFill>
@@ -6043,7 +6620,7 @@
               <a:t> </a:t>
             </a:r>
             <a:r>
-              <a:rPr lang="fi-FI" sz="3200" dirty="0" err="1">
+              <a:rPr lang="fi-FI" sz="6700" dirty="0" err="1">
                 <a:solidFill>
                   <a:schemeClr val="tx1"/>
                 </a:solidFill>
@@ -6051,7 +6628,7 @@
               <a:t>are</a:t>
             </a:r>
             <a:r>
-              <a:rPr lang="fi-FI" sz="3200" dirty="0">
+              <a:rPr lang="fi-FI" sz="6700" dirty="0">
                 <a:solidFill>
                   <a:schemeClr val="tx1"/>
                 </a:solidFill>
@@ -6059,7 +6636,7 @@
               <a:t> </a:t>
             </a:r>
             <a:r>
-              <a:rPr lang="fi-FI" sz="3200" dirty="0" err="1">
+              <a:rPr lang="fi-FI" sz="6700" dirty="0" err="1">
                 <a:solidFill>
                   <a:schemeClr val="tx1"/>
                 </a:solidFill>
@@ -6067,7 +6644,7 @@
               <a:t>easily</a:t>
             </a:r>
             <a:r>
-              <a:rPr lang="fi-FI" sz="3200" dirty="0">
+              <a:rPr lang="fi-FI" sz="6700" dirty="0">
                 <a:solidFill>
                   <a:schemeClr val="tx1"/>
                 </a:solidFill>
@@ -6075,14 +6652,14 @@
               <a:t> </a:t>
             </a:r>
             <a:r>
-              <a:rPr lang="fi-FI" sz="3200" dirty="0" err="1">
+              <a:rPr lang="fi-FI" sz="6700" dirty="0" err="1">
                 <a:solidFill>
                   <a:schemeClr val="tx1"/>
                 </a:solidFill>
               </a:rPr>
               <a:t>obtained</a:t>
             </a:r>
-            <a:endParaRPr lang="fi-FI" sz="3200" dirty="0">
+            <a:endParaRPr lang="fi-FI" sz="6700" dirty="0">
               <a:solidFill>
                 <a:schemeClr val="tx1"/>
               </a:solidFill>
@@ -6094,14 +6671,14 @@
               <a:buChar char="Ø"/>
             </a:pPr>
             <a:r>
-              <a:rPr lang="fi-FI" sz="3200" dirty="0" err="1">
+              <a:rPr lang="fi-FI" sz="6700" dirty="0" err="1">
                 <a:solidFill>
                   <a:schemeClr val="tx1"/>
                 </a:solidFill>
               </a:rPr>
               <a:t>Threats</a:t>
             </a:r>
-            <a:endParaRPr lang="fi-FI" sz="3200" dirty="0">
+            <a:endParaRPr lang="fi-FI" sz="6700" dirty="0">
               <a:solidFill>
                 <a:schemeClr val="tx1"/>
               </a:solidFill>
@@ -6113,7 +6690,7 @@
               <a:buChar char="•"/>
             </a:pPr>
             <a:r>
-              <a:rPr lang="fi-FI" sz="3000" dirty="0">
+              <a:rPr lang="fi-FI" sz="6700" dirty="0">
                 <a:solidFill>
                   <a:schemeClr val="tx1"/>
                 </a:solidFill>
@@ -6121,14 +6698,14 @@
               <a:t>System </a:t>
             </a:r>
             <a:r>
-              <a:rPr lang="fi-FI" sz="3000" dirty="0" err="1">
+              <a:rPr lang="fi-FI" sz="6700" dirty="0" err="1">
                 <a:solidFill>
                   <a:schemeClr val="tx1"/>
                 </a:solidFill>
               </a:rPr>
               <a:t>compromise</a:t>
             </a:r>
-            <a:endParaRPr lang="fi-FI" sz="3000" dirty="0">
+            <a:endParaRPr lang="fi-FI" sz="6700" dirty="0">
               <a:solidFill>
                 <a:schemeClr val="tx1"/>
               </a:solidFill>
@@ -6140,14 +6717,14 @@
               <a:buChar char="•"/>
             </a:pPr>
             <a:r>
-              <a:rPr lang="fi-FI" sz="3000" dirty="0" err="1">
+              <a:rPr lang="fi-FI" sz="6700" dirty="0" err="1">
                 <a:solidFill>
                   <a:schemeClr val="tx1"/>
                 </a:solidFill>
               </a:rPr>
               <a:t>Impersonation</a:t>
             </a:r>
-            <a:endParaRPr lang="fi-FI" sz="3000" dirty="0">
+            <a:endParaRPr lang="fi-FI" sz="6700" dirty="0">
               <a:solidFill>
                 <a:schemeClr val="tx1"/>
               </a:solidFill>
@@ -6159,14 +6736,14 @@
               <a:buChar char="•"/>
             </a:pPr>
             <a:r>
-              <a:rPr lang="fi-FI" sz="3000" dirty="0" err="1">
+              <a:rPr lang="fi-FI" sz="6700" dirty="0" err="1">
                 <a:solidFill>
                   <a:schemeClr val="tx1"/>
                 </a:solidFill>
               </a:rPr>
               <a:t>Blackmailing</a:t>
             </a:r>
-            <a:endParaRPr lang="fi-FI" sz="3000" dirty="0">
+            <a:endParaRPr lang="fi-FI" sz="6700" dirty="0">
               <a:solidFill>
                 <a:schemeClr val="tx1"/>
               </a:solidFill>
@@ -6178,7 +6755,7 @@
               <a:buChar char="•"/>
             </a:pPr>
             <a:r>
-              <a:rPr lang="fi-FI" sz="3000" dirty="0" err="1">
+              <a:rPr lang="fi-FI" sz="6700" dirty="0" err="1">
                 <a:solidFill>
                   <a:schemeClr val="tx1"/>
                 </a:solidFill>
@@ -6186,7 +6763,7 @@
               <a:t>Disruption</a:t>
             </a:r>
             <a:r>
-              <a:rPr lang="fi-FI" sz="3000" dirty="0">
+              <a:rPr lang="fi-FI" sz="6700" dirty="0">
                 <a:solidFill>
                   <a:schemeClr val="tx1"/>
                 </a:solidFill>
@@ -6194,14 +6771,14 @@
               <a:t> of </a:t>
             </a:r>
             <a:r>
-              <a:rPr lang="fi-FI" sz="3000" dirty="0" err="1">
+              <a:rPr lang="fi-FI" sz="6700" dirty="0" err="1">
                 <a:solidFill>
                   <a:schemeClr val="tx1"/>
                 </a:solidFill>
               </a:rPr>
               <a:t>service</a:t>
             </a:r>
-            <a:endParaRPr lang="fi-FI" sz="3000" dirty="0">
+            <a:endParaRPr lang="fi-FI" sz="6700" dirty="0">
               <a:solidFill>
                 <a:schemeClr val="tx1"/>
               </a:solidFill>
@@ -6602,6 +7179,1817 @@
 </p:sld>
 </file>
 
+<file path=ppt/slides/slide4.xml><?xml version="1.0" encoding="utf-8"?>
+<p:sld xmlns:a="http://schemas.openxmlformats.org/drawingml/2006/main" xmlns:r="http://schemas.openxmlformats.org/officeDocument/2006/relationships" xmlns:p="http://schemas.openxmlformats.org/presentationml/2006/main">
+  <p:cSld>
+    <p:spTree>
+      <p:nvGrpSpPr>
+        <p:cNvPr id="1" name=""/>
+        <p:cNvGrpSpPr/>
+        <p:nvPr/>
+      </p:nvGrpSpPr>
+      <p:grpSpPr>
+        <a:xfrm>
+          <a:off x="0" y="0"/>
+          <a:ext cx="0" cy="0"/>
+          <a:chOff x="0" y="0"/>
+          <a:chExt cx="0" cy="0"/>
+        </a:xfrm>
+      </p:grpSpPr>
+      <p:sp>
+        <p:nvSpPr>
+          <p:cNvPr id="3" name="Sisällön paikkamerkki 2"/>
+          <p:cNvSpPr>
+            <a:spLocks noGrp="1"/>
+          </p:cNvSpPr>
+          <p:nvPr>
+            <p:ph idx="1"/>
+          </p:nvPr>
+        </p:nvSpPr>
+        <p:spPr>
+          <a:xfrm>
+            <a:off x="621724" y="1507067"/>
+            <a:ext cx="9302451" cy="3615267"/>
+          </a:xfrm>
+        </p:spPr>
+        <p:txBody>
+          <a:bodyPr>
+            <a:normAutofit/>
+          </a:bodyPr>
+          <a:lstStyle/>
+          <a:p>
+            <a:r>
+              <a:rPr lang="fi-FI" sz="3800" dirty="0" err="1">
+                <a:solidFill>
+                  <a:schemeClr val="tx1"/>
+                </a:solidFill>
+              </a:rPr>
+              <a:t>Fortunately</a:t>
+            </a:r>
+            <a:r>
+              <a:rPr lang="fi-FI" sz="3800" dirty="0">
+                <a:solidFill>
+                  <a:schemeClr val="tx1"/>
+                </a:solidFill>
+              </a:rPr>
+              <a:t> </a:t>
+            </a:r>
+            <a:r>
+              <a:rPr lang="fi-FI" sz="3800" dirty="0" err="1">
+                <a:solidFill>
+                  <a:schemeClr val="tx1"/>
+                </a:solidFill>
+              </a:rPr>
+              <a:t>we</a:t>
+            </a:r>
+            <a:r>
+              <a:rPr lang="fi-FI" sz="3800" dirty="0">
+                <a:solidFill>
+                  <a:schemeClr val="tx1"/>
+                </a:solidFill>
+              </a:rPr>
+              <a:t> </a:t>
+            </a:r>
+            <a:r>
+              <a:rPr lang="fi-FI" sz="3800" dirty="0" err="1">
+                <a:solidFill>
+                  <a:schemeClr val="tx1"/>
+                </a:solidFill>
+              </a:rPr>
+              <a:t>have</a:t>
+            </a:r>
+            <a:r>
+              <a:rPr lang="fi-FI" sz="3800" dirty="0">
+                <a:solidFill>
+                  <a:schemeClr val="tx1"/>
+                </a:solidFill>
+              </a:rPr>
+              <a:t> </a:t>
+            </a:r>
+            <a:r>
+              <a:rPr lang="fi-FI" sz="3800" dirty="0" err="1">
+                <a:solidFill>
+                  <a:schemeClr val="tx1"/>
+                </a:solidFill>
+              </a:rPr>
+              <a:t>authentication</a:t>
+            </a:r>
+            <a:endParaRPr lang="fi-FI" sz="3800" dirty="0">
+              <a:solidFill>
+                <a:schemeClr val="tx1"/>
+              </a:solidFill>
+            </a:endParaRPr>
+          </a:p>
+          <a:p>
+            <a:pPr lvl="1">
+              <a:buFont typeface="Arial" panose="020B0604020202020204" pitchFamily="34" charset="0"/>
+              <a:buChar char="•"/>
+            </a:pPr>
+            <a:r>
+              <a:rPr lang="fi-FI" sz="3200" dirty="0">
+                <a:solidFill>
+                  <a:schemeClr val="tx1"/>
+                </a:solidFill>
+              </a:rPr>
+              <a:t>Is </a:t>
+            </a:r>
+            <a:r>
+              <a:rPr lang="fi-FI" sz="3200" dirty="0" err="1">
+                <a:solidFill>
+                  <a:schemeClr val="tx1"/>
+                </a:solidFill>
+              </a:rPr>
+              <a:t>needed</a:t>
+            </a:r>
+            <a:r>
+              <a:rPr lang="fi-FI" sz="3200" dirty="0">
+                <a:solidFill>
+                  <a:schemeClr val="tx1"/>
+                </a:solidFill>
+              </a:rPr>
+              <a:t> </a:t>
+            </a:r>
+            <a:r>
+              <a:rPr lang="fi-FI" sz="3200" dirty="0" err="1">
+                <a:solidFill>
+                  <a:schemeClr val="tx1"/>
+                </a:solidFill>
+              </a:rPr>
+              <a:t>when</a:t>
+            </a:r>
+            <a:r>
+              <a:rPr lang="fi-FI" sz="3200" dirty="0">
+                <a:solidFill>
+                  <a:schemeClr val="tx1"/>
+                </a:solidFill>
+              </a:rPr>
+              <a:t> </a:t>
+            </a:r>
+            <a:r>
+              <a:rPr lang="fi-FI" sz="3200" dirty="0" err="1">
+                <a:solidFill>
+                  <a:schemeClr val="tx1"/>
+                </a:solidFill>
+              </a:rPr>
+              <a:t>we</a:t>
+            </a:r>
+            <a:r>
+              <a:rPr lang="fi-FI" sz="3200" dirty="0">
+                <a:solidFill>
+                  <a:schemeClr val="tx1"/>
+                </a:solidFill>
+              </a:rPr>
+              <a:t> </a:t>
+            </a:r>
+            <a:r>
+              <a:rPr lang="fi-FI" sz="3200" dirty="0" err="1">
+                <a:solidFill>
+                  <a:schemeClr val="tx1"/>
+                </a:solidFill>
+              </a:rPr>
+              <a:t>have</a:t>
+            </a:r>
+            <a:r>
+              <a:rPr lang="fi-FI" sz="3200" dirty="0">
+                <a:solidFill>
+                  <a:schemeClr val="tx1"/>
+                </a:solidFill>
+              </a:rPr>
+              <a:t> to </a:t>
+            </a:r>
+            <a:r>
+              <a:rPr lang="fi-FI" sz="3200" dirty="0" err="1">
+                <a:solidFill>
+                  <a:schemeClr val="tx1"/>
+                </a:solidFill>
+              </a:rPr>
+              <a:t>know</a:t>
+            </a:r>
+            <a:r>
+              <a:rPr lang="fi-FI" sz="3200" dirty="0">
+                <a:solidFill>
+                  <a:schemeClr val="tx1"/>
+                </a:solidFill>
+              </a:rPr>
+              <a:t> </a:t>
+            </a:r>
+            <a:r>
+              <a:rPr lang="fi-FI" sz="3200" dirty="0" err="1">
+                <a:solidFill>
+                  <a:schemeClr val="tx1"/>
+                </a:solidFill>
+              </a:rPr>
+              <a:t>exactly</a:t>
+            </a:r>
+            <a:r>
+              <a:rPr lang="fi-FI" sz="3200" dirty="0">
+                <a:solidFill>
+                  <a:schemeClr val="tx1"/>
+                </a:solidFill>
+              </a:rPr>
+              <a:t> </a:t>
+            </a:r>
+            <a:r>
+              <a:rPr lang="fi-FI" sz="3200" dirty="0" err="1">
+                <a:solidFill>
+                  <a:schemeClr val="tx1"/>
+                </a:solidFill>
+              </a:rPr>
+              <a:t>who</a:t>
+            </a:r>
+            <a:r>
+              <a:rPr lang="fi-FI" sz="3200" dirty="0">
+                <a:solidFill>
+                  <a:schemeClr val="tx1"/>
+                </a:solidFill>
+              </a:rPr>
+              <a:t> </a:t>
+            </a:r>
+            <a:r>
+              <a:rPr lang="fi-FI" sz="3200" dirty="0" err="1">
+                <a:solidFill>
+                  <a:schemeClr val="tx1"/>
+                </a:solidFill>
+              </a:rPr>
+              <a:t>the</a:t>
+            </a:r>
+            <a:r>
+              <a:rPr lang="fi-FI" sz="3200" dirty="0">
+                <a:solidFill>
+                  <a:schemeClr val="tx1"/>
+                </a:solidFill>
+              </a:rPr>
+              <a:t> </a:t>
+            </a:r>
+            <a:r>
+              <a:rPr lang="fi-FI" sz="3200" dirty="0" err="1">
+                <a:solidFill>
+                  <a:schemeClr val="tx1"/>
+                </a:solidFill>
+              </a:rPr>
+              <a:t>said</a:t>
+            </a:r>
+            <a:r>
+              <a:rPr lang="fi-FI" sz="3200" dirty="0">
+                <a:solidFill>
+                  <a:schemeClr val="tx1"/>
+                </a:solidFill>
+              </a:rPr>
+              <a:t> person is.</a:t>
+            </a:r>
+          </a:p>
+          <a:p>
+            <a:pPr lvl="1">
+              <a:buFont typeface="Arial" panose="020B0604020202020204" pitchFamily="34" charset="0"/>
+              <a:buChar char="•"/>
+            </a:pPr>
+            <a:r>
+              <a:rPr lang="fi-FI" sz="3200" dirty="0" err="1">
+                <a:solidFill>
+                  <a:schemeClr val="tx1"/>
+                </a:solidFill>
+              </a:rPr>
+              <a:t>Something</a:t>
+            </a:r>
+            <a:r>
+              <a:rPr lang="fi-FI" sz="3200" dirty="0">
+                <a:solidFill>
+                  <a:schemeClr val="tx1"/>
+                </a:solidFill>
+              </a:rPr>
+              <a:t> is </a:t>
+            </a:r>
+            <a:r>
+              <a:rPr lang="fi-FI" sz="3200" dirty="0" err="1">
+                <a:solidFill>
+                  <a:schemeClr val="tx1"/>
+                </a:solidFill>
+              </a:rPr>
+              <a:t>needed</a:t>
+            </a:r>
+            <a:r>
+              <a:rPr lang="fi-FI" sz="3200" dirty="0">
+                <a:solidFill>
+                  <a:schemeClr val="tx1"/>
+                </a:solidFill>
+              </a:rPr>
+              <a:t> to </a:t>
+            </a:r>
+            <a:r>
+              <a:rPr lang="fi-FI" sz="3200" dirty="0" err="1">
+                <a:solidFill>
+                  <a:schemeClr val="tx1"/>
+                </a:solidFill>
+              </a:rPr>
+              <a:t>prove</a:t>
+            </a:r>
+            <a:r>
+              <a:rPr lang="fi-FI" sz="3200" dirty="0">
+                <a:solidFill>
+                  <a:schemeClr val="tx1"/>
+                </a:solidFill>
+              </a:rPr>
+              <a:t> </a:t>
+            </a:r>
+            <a:r>
+              <a:rPr lang="fi-FI" sz="3200" dirty="0" err="1">
+                <a:solidFill>
+                  <a:schemeClr val="tx1"/>
+                </a:solidFill>
+              </a:rPr>
+              <a:t>their</a:t>
+            </a:r>
+            <a:r>
+              <a:rPr lang="fi-FI" sz="3200" dirty="0">
+                <a:solidFill>
+                  <a:schemeClr val="tx1"/>
+                </a:solidFill>
+              </a:rPr>
+              <a:t> </a:t>
+            </a:r>
+            <a:r>
+              <a:rPr lang="fi-FI" sz="3200" dirty="0" err="1">
+                <a:solidFill>
+                  <a:schemeClr val="tx1"/>
+                </a:solidFill>
+              </a:rPr>
+              <a:t>identity</a:t>
+            </a:r>
+            <a:endParaRPr lang="fi-FI" sz="3200" dirty="0">
+              <a:solidFill>
+                <a:schemeClr val="tx1"/>
+              </a:solidFill>
+            </a:endParaRPr>
+          </a:p>
+          <a:p>
+            <a:pPr lvl="1">
+              <a:buFont typeface="Arial" panose="020B0604020202020204" pitchFamily="34" charset="0"/>
+              <a:buChar char="•"/>
+            </a:pPr>
+            <a:endParaRPr lang="fi-FI" sz="3200" dirty="0">
+              <a:solidFill>
+                <a:schemeClr val="tx1"/>
+              </a:solidFill>
+            </a:endParaRPr>
+          </a:p>
+          <a:p>
+            <a:pPr lvl="1">
+              <a:buFont typeface="Arial" panose="020B0604020202020204" pitchFamily="34" charset="0"/>
+              <a:buChar char="•"/>
+            </a:pPr>
+            <a:endParaRPr lang="fi-FI" sz="3200" dirty="0">
+              <a:solidFill>
+                <a:schemeClr val="tx1"/>
+              </a:solidFill>
+            </a:endParaRPr>
+          </a:p>
+        </p:txBody>
+      </p:sp>
+    </p:spTree>
+    <p:extLst>
+      <p:ext uri="{BB962C8B-B14F-4D97-AF65-F5344CB8AC3E}">
+        <p14:creationId xmlns:p14="http://schemas.microsoft.com/office/powerpoint/2010/main" val="92182532"/>
+      </p:ext>
+    </p:extLst>
+  </p:cSld>
+  <p:clrMapOvr>
+    <a:masterClrMapping/>
+  </p:clrMapOvr>
+</p:sld>
+</file>
+
+<file path=ppt/slides/slide5.xml><?xml version="1.0" encoding="utf-8"?>
+<p:sld xmlns:a="http://schemas.openxmlformats.org/drawingml/2006/main" xmlns:r="http://schemas.openxmlformats.org/officeDocument/2006/relationships" xmlns:p="http://schemas.openxmlformats.org/presentationml/2006/main">
+  <p:cSld>
+    <p:spTree>
+      <p:nvGrpSpPr>
+        <p:cNvPr id="1" name=""/>
+        <p:cNvGrpSpPr/>
+        <p:nvPr/>
+      </p:nvGrpSpPr>
+      <p:grpSpPr>
+        <a:xfrm>
+          <a:off x="0" y="0"/>
+          <a:ext cx="0" cy="0"/>
+          <a:chOff x="0" y="0"/>
+          <a:chExt cx="0" cy="0"/>
+        </a:xfrm>
+      </p:grpSpPr>
+      <p:sp>
+        <p:nvSpPr>
+          <p:cNvPr id="2" name="Otsikko 1"/>
+          <p:cNvSpPr>
+            <a:spLocks noGrp="1"/>
+          </p:cNvSpPr>
+          <p:nvPr>
+            <p:ph type="title"/>
+          </p:nvPr>
+        </p:nvSpPr>
+        <p:spPr>
+          <a:xfrm>
+            <a:off x="684212" y="0"/>
+            <a:ext cx="8534400" cy="1507067"/>
+          </a:xfrm>
+        </p:spPr>
+        <p:txBody>
+          <a:bodyPr/>
+          <a:lstStyle/>
+          <a:p>
+            <a:r>
+              <a:rPr lang="fi-FI" dirty="0"/>
+              <a:t>Single-</a:t>
+            </a:r>
+            <a:r>
+              <a:rPr lang="fi-FI" dirty="0" err="1"/>
+              <a:t>factor</a:t>
+            </a:r>
+            <a:r>
+              <a:rPr lang="fi-FI" dirty="0"/>
+              <a:t> </a:t>
+            </a:r>
+            <a:r>
+              <a:rPr lang="fi-FI" dirty="0" err="1"/>
+              <a:t>authentication</a:t>
+            </a:r>
+            <a:endParaRPr lang="en-GB" dirty="0"/>
+          </a:p>
+        </p:txBody>
+      </p:sp>
+      <p:sp>
+        <p:nvSpPr>
+          <p:cNvPr id="3" name="Sisällön paikkamerkki 2"/>
+          <p:cNvSpPr>
+            <a:spLocks noGrp="1"/>
+          </p:cNvSpPr>
+          <p:nvPr>
+            <p:ph idx="1"/>
+          </p:nvPr>
+        </p:nvSpPr>
+        <p:spPr>
+          <a:xfrm>
+            <a:off x="684212" y="1247863"/>
+            <a:ext cx="8534400" cy="3615267"/>
+          </a:xfrm>
+        </p:spPr>
+        <p:txBody>
+          <a:bodyPr>
+            <a:normAutofit/>
+          </a:bodyPr>
+          <a:lstStyle/>
+          <a:p>
+            <a:endParaRPr lang="fi-FI" sz="3800" dirty="0">
+              <a:solidFill>
+                <a:schemeClr val="tx1"/>
+              </a:solidFill>
+            </a:endParaRPr>
+          </a:p>
+          <a:p>
+            <a:r>
+              <a:rPr lang="fi-FI" sz="3800" dirty="0" err="1">
+                <a:solidFill>
+                  <a:schemeClr val="tx1"/>
+                </a:solidFill>
+              </a:rPr>
+              <a:t>Most</a:t>
+            </a:r>
+            <a:r>
+              <a:rPr lang="fi-FI" sz="3800" dirty="0">
+                <a:solidFill>
+                  <a:schemeClr val="tx1"/>
+                </a:solidFill>
+              </a:rPr>
+              <a:t> </a:t>
+            </a:r>
+            <a:r>
+              <a:rPr lang="fi-FI" sz="3800" dirty="0" err="1">
+                <a:solidFill>
+                  <a:schemeClr val="tx1"/>
+                </a:solidFill>
+              </a:rPr>
+              <a:t>common</a:t>
+            </a:r>
+            <a:r>
+              <a:rPr lang="fi-FI" sz="3800" dirty="0">
+                <a:solidFill>
+                  <a:schemeClr val="tx1"/>
+                </a:solidFill>
+              </a:rPr>
+              <a:t> </a:t>
+            </a:r>
+            <a:r>
+              <a:rPr lang="fi-FI" sz="3800" dirty="0" err="1">
+                <a:solidFill>
+                  <a:schemeClr val="tx1"/>
+                </a:solidFill>
+              </a:rPr>
+              <a:t>way</a:t>
+            </a:r>
+            <a:r>
+              <a:rPr lang="fi-FI" sz="3800" dirty="0">
+                <a:solidFill>
+                  <a:schemeClr val="tx1"/>
+                </a:solidFill>
+              </a:rPr>
+              <a:t> of </a:t>
+            </a:r>
+            <a:r>
+              <a:rPr lang="fi-FI" sz="3800" dirty="0" err="1">
+                <a:solidFill>
+                  <a:schemeClr val="tx1"/>
+                </a:solidFill>
+              </a:rPr>
+              <a:t>authentication</a:t>
+            </a:r>
+            <a:endParaRPr lang="fi-FI" sz="3800" dirty="0">
+              <a:solidFill>
+                <a:schemeClr val="tx1"/>
+              </a:solidFill>
+            </a:endParaRPr>
+          </a:p>
+          <a:p>
+            <a:r>
+              <a:rPr lang="fi-FI" sz="3800" dirty="0" err="1">
+                <a:solidFill>
+                  <a:schemeClr val="tx1"/>
+                </a:solidFill>
+              </a:rPr>
+              <a:t>Username</a:t>
+            </a:r>
+            <a:r>
+              <a:rPr lang="fi-FI" sz="3800" dirty="0">
+                <a:solidFill>
+                  <a:schemeClr val="tx1"/>
+                </a:solidFill>
+              </a:rPr>
+              <a:t> and </a:t>
+            </a:r>
+            <a:r>
+              <a:rPr lang="fi-FI" sz="3800" dirty="0" err="1">
+                <a:solidFill>
+                  <a:schemeClr val="tx1"/>
+                </a:solidFill>
+              </a:rPr>
+              <a:t>password</a:t>
+            </a:r>
+            <a:endParaRPr lang="fi-FI" sz="3800" dirty="0">
+              <a:solidFill>
+                <a:schemeClr val="tx1"/>
+              </a:solidFill>
+            </a:endParaRPr>
+          </a:p>
+          <a:p>
+            <a:pPr marL="0" indent="0">
+              <a:buNone/>
+            </a:pPr>
+            <a:endParaRPr lang="en-GB" sz="3800" dirty="0">
+              <a:solidFill>
+                <a:schemeClr val="tx1"/>
+              </a:solidFill>
+            </a:endParaRPr>
+          </a:p>
+        </p:txBody>
+      </p:sp>
+    </p:spTree>
+    <p:extLst>
+      <p:ext uri="{BB962C8B-B14F-4D97-AF65-F5344CB8AC3E}">
+        <p14:creationId xmlns:p14="http://schemas.microsoft.com/office/powerpoint/2010/main" val="75154149"/>
+      </p:ext>
+    </p:extLst>
+  </p:cSld>
+  <p:clrMapOvr>
+    <a:masterClrMapping/>
+  </p:clrMapOvr>
+</p:sld>
+</file>
+
+<file path=ppt/slides/slide6.xml><?xml version="1.0" encoding="utf-8"?>
+<p:sld xmlns:a="http://schemas.openxmlformats.org/drawingml/2006/main" xmlns:r="http://schemas.openxmlformats.org/officeDocument/2006/relationships" xmlns:p="http://schemas.openxmlformats.org/presentationml/2006/main">
+  <p:cSld>
+    <p:spTree>
+      <p:nvGrpSpPr>
+        <p:cNvPr id="1" name=""/>
+        <p:cNvGrpSpPr/>
+        <p:nvPr/>
+      </p:nvGrpSpPr>
+      <p:grpSpPr>
+        <a:xfrm>
+          <a:off x="0" y="0"/>
+          <a:ext cx="0" cy="0"/>
+          <a:chOff x="0" y="0"/>
+          <a:chExt cx="0" cy="0"/>
+        </a:xfrm>
+      </p:grpSpPr>
+      <p:sp>
+        <p:nvSpPr>
+          <p:cNvPr id="3" name="Sisällön paikkamerkki 2"/>
+          <p:cNvSpPr>
+            <a:spLocks noGrp="1"/>
+          </p:cNvSpPr>
+          <p:nvPr>
+            <p:ph idx="1"/>
+          </p:nvPr>
+        </p:nvSpPr>
+        <p:spPr/>
+        <p:txBody>
+          <a:bodyPr>
+            <a:normAutofit/>
+          </a:bodyPr>
+          <a:lstStyle/>
+          <a:p>
+            <a:r>
+              <a:rPr lang="fi-FI" sz="3800" dirty="0" err="1">
+                <a:solidFill>
+                  <a:schemeClr val="tx1"/>
+                </a:solidFill>
+              </a:rPr>
+              <a:t>Issues</a:t>
+            </a:r>
+            <a:r>
+              <a:rPr lang="fi-FI" sz="3800" dirty="0">
+                <a:solidFill>
+                  <a:schemeClr val="tx1"/>
+                </a:solidFill>
+              </a:rPr>
+              <a:t> </a:t>
+            </a:r>
+            <a:r>
+              <a:rPr lang="fi-FI" sz="3800" dirty="0" err="1">
+                <a:solidFill>
+                  <a:schemeClr val="tx1"/>
+                </a:solidFill>
+              </a:rPr>
+              <a:t>with</a:t>
+            </a:r>
+            <a:r>
+              <a:rPr lang="fi-FI" sz="3800" dirty="0">
+                <a:solidFill>
+                  <a:schemeClr val="tx1"/>
+                </a:solidFill>
+              </a:rPr>
+              <a:t> </a:t>
+            </a:r>
+            <a:r>
+              <a:rPr lang="fi-FI" sz="3800" dirty="0" err="1">
+                <a:solidFill>
+                  <a:schemeClr val="tx1"/>
+                </a:solidFill>
+              </a:rPr>
+              <a:t>this</a:t>
+            </a:r>
+            <a:r>
+              <a:rPr lang="fi-FI" sz="3800" dirty="0">
+                <a:solidFill>
+                  <a:schemeClr val="tx1"/>
+                </a:solidFill>
+              </a:rPr>
+              <a:t> </a:t>
+            </a:r>
+            <a:r>
+              <a:rPr lang="fi-FI" sz="3800" dirty="0" err="1">
+                <a:solidFill>
+                  <a:schemeClr val="tx1"/>
+                </a:solidFill>
+              </a:rPr>
+              <a:t>method</a:t>
+            </a:r>
+            <a:endParaRPr lang="fi-FI" sz="3800" dirty="0">
+              <a:solidFill>
+                <a:schemeClr val="tx1"/>
+              </a:solidFill>
+            </a:endParaRPr>
+          </a:p>
+          <a:p>
+            <a:pPr lvl="1">
+              <a:buFont typeface="Arial" panose="020B0604020202020204" pitchFamily="34" charset="0"/>
+              <a:buChar char="•"/>
+            </a:pPr>
+            <a:r>
+              <a:rPr lang="fi-FI" sz="3600" dirty="0" err="1">
+                <a:solidFill>
+                  <a:schemeClr val="tx1"/>
+                </a:solidFill>
+              </a:rPr>
+              <a:t>predictable</a:t>
+            </a:r>
+            <a:r>
+              <a:rPr lang="fi-FI" sz="3600" dirty="0">
+                <a:solidFill>
+                  <a:schemeClr val="tx1"/>
+                </a:solidFill>
+              </a:rPr>
+              <a:t> </a:t>
+            </a:r>
+            <a:r>
+              <a:rPr lang="fi-FI" sz="3600" dirty="0" err="1">
+                <a:solidFill>
+                  <a:schemeClr val="tx1"/>
+                </a:solidFill>
+              </a:rPr>
+              <a:t>passwords</a:t>
+            </a:r>
+            <a:endParaRPr lang="fi-FI" sz="3600" dirty="0">
+              <a:solidFill>
+                <a:schemeClr val="tx1"/>
+              </a:solidFill>
+            </a:endParaRPr>
+          </a:p>
+          <a:p>
+            <a:pPr lvl="1">
+              <a:buFont typeface="Arial" panose="020B0604020202020204" pitchFamily="34" charset="0"/>
+              <a:buChar char="•"/>
+            </a:pPr>
+            <a:r>
+              <a:rPr lang="fi-FI" sz="3600" dirty="0" err="1">
+                <a:solidFill>
+                  <a:schemeClr val="tx1"/>
+                </a:solidFill>
+              </a:rPr>
+              <a:t>can</a:t>
+            </a:r>
+            <a:r>
+              <a:rPr lang="fi-FI" sz="3600" dirty="0">
+                <a:solidFill>
+                  <a:schemeClr val="tx1"/>
+                </a:solidFill>
+              </a:rPr>
+              <a:t> </a:t>
+            </a:r>
+            <a:r>
+              <a:rPr lang="fi-FI" sz="3600" dirty="0" err="1">
+                <a:solidFill>
+                  <a:schemeClr val="tx1"/>
+                </a:solidFill>
+              </a:rPr>
+              <a:t>lead</a:t>
+            </a:r>
+            <a:r>
+              <a:rPr lang="fi-FI" sz="3600" dirty="0">
+                <a:solidFill>
+                  <a:schemeClr val="tx1"/>
+                </a:solidFill>
+              </a:rPr>
+              <a:t> to </a:t>
+            </a:r>
+            <a:r>
+              <a:rPr lang="fi-FI" sz="3600" dirty="0" err="1">
+                <a:solidFill>
+                  <a:schemeClr val="tx1"/>
+                </a:solidFill>
+              </a:rPr>
+              <a:t>account</a:t>
+            </a:r>
+            <a:r>
+              <a:rPr lang="fi-FI" sz="3600" dirty="0">
+                <a:solidFill>
+                  <a:schemeClr val="tx1"/>
+                </a:solidFill>
+              </a:rPr>
+              <a:t> </a:t>
+            </a:r>
+            <a:r>
+              <a:rPr lang="fi-FI" sz="3600" dirty="0" err="1">
+                <a:solidFill>
+                  <a:schemeClr val="tx1"/>
+                </a:solidFill>
+              </a:rPr>
+              <a:t>theft</a:t>
+            </a:r>
+            <a:endParaRPr lang="fi-FI" sz="3600" dirty="0">
+              <a:solidFill>
+                <a:schemeClr val="tx1"/>
+              </a:solidFill>
+            </a:endParaRPr>
+          </a:p>
+          <a:p>
+            <a:pPr marL="0" indent="0">
+              <a:buNone/>
+            </a:pPr>
+            <a:endParaRPr lang="fi-FI" sz="3800" dirty="0">
+              <a:solidFill>
+                <a:schemeClr val="tx1"/>
+              </a:solidFill>
+            </a:endParaRPr>
+          </a:p>
+        </p:txBody>
+      </p:sp>
+    </p:spTree>
+    <p:extLst>
+      <p:ext uri="{BB962C8B-B14F-4D97-AF65-F5344CB8AC3E}">
+        <p14:creationId xmlns:p14="http://schemas.microsoft.com/office/powerpoint/2010/main" val="2668176120"/>
+      </p:ext>
+    </p:extLst>
+  </p:cSld>
+  <p:clrMapOvr>
+    <a:masterClrMapping/>
+  </p:clrMapOvr>
+</p:sld>
+</file>
+
+<file path=ppt/slides/slide7.xml><?xml version="1.0" encoding="utf-8"?>
+<p:sld xmlns:a="http://schemas.openxmlformats.org/drawingml/2006/main" xmlns:r="http://schemas.openxmlformats.org/officeDocument/2006/relationships" xmlns:p="http://schemas.openxmlformats.org/presentationml/2006/main">
+  <p:cSld>
+    <p:spTree>
+      <p:nvGrpSpPr>
+        <p:cNvPr id="1" name=""/>
+        <p:cNvGrpSpPr/>
+        <p:nvPr/>
+      </p:nvGrpSpPr>
+      <p:grpSpPr>
+        <a:xfrm>
+          <a:off x="0" y="0"/>
+          <a:ext cx="0" cy="0"/>
+          <a:chOff x="0" y="0"/>
+          <a:chExt cx="0" cy="0"/>
+        </a:xfrm>
+      </p:grpSpPr>
+      <p:sp>
+        <p:nvSpPr>
+          <p:cNvPr id="2" name="Otsikko 1"/>
+          <p:cNvSpPr>
+            <a:spLocks noGrp="1"/>
+          </p:cNvSpPr>
+          <p:nvPr>
+            <p:ph type="title"/>
+          </p:nvPr>
+        </p:nvSpPr>
+        <p:spPr>
+          <a:xfrm>
+            <a:off x="684212" y="0"/>
+            <a:ext cx="8534400" cy="1507067"/>
+          </a:xfrm>
+        </p:spPr>
+        <p:txBody>
+          <a:bodyPr/>
+          <a:lstStyle/>
+          <a:p>
+            <a:r>
+              <a:rPr lang="fi-FI" dirty="0" err="1"/>
+              <a:t>Multi-factor</a:t>
+            </a:r>
+            <a:r>
+              <a:rPr lang="fi-FI" dirty="0"/>
+              <a:t> </a:t>
+            </a:r>
+            <a:r>
+              <a:rPr lang="fi-FI" dirty="0" err="1"/>
+              <a:t>authentication</a:t>
+            </a:r>
+            <a:endParaRPr lang="en-GB" dirty="0"/>
+          </a:p>
+        </p:txBody>
+      </p:sp>
+      <p:sp>
+        <p:nvSpPr>
+          <p:cNvPr id="3" name="Sisällön paikkamerkki 2"/>
+          <p:cNvSpPr>
+            <a:spLocks noGrp="1"/>
+          </p:cNvSpPr>
+          <p:nvPr>
+            <p:ph idx="1"/>
+          </p:nvPr>
+        </p:nvSpPr>
+        <p:spPr>
+          <a:xfrm>
+            <a:off x="684212" y="1432420"/>
+            <a:ext cx="8534400" cy="3615267"/>
+          </a:xfrm>
+        </p:spPr>
+        <p:txBody>
+          <a:bodyPr>
+            <a:normAutofit/>
+          </a:bodyPr>
+          <a:lstStyle/>
+          <a:p>
+            <a:r>
+              <a:rPr lang="fi-FI" sz="3600" dirty="0" err="1">
+                <a:solidFill>
+                  <a:schemeClr val="tx1"/>
+                </a:solidFill>
+              </a:rPr>
+              <a:t>Way</a:t>
+            </a:r>
+            <a:r>
+              <a:rPr lang="fi-FI" sz="3600" dirty="0">
+                <a:solidFill>
+                  <a:schemeClr val="tx1"/>
+                </a:solidFill>
+              </a:rPr>
+              <a:t> </a:t>
+            </a:r>
+            <a:r>
+              <a:rPr lang="fi-FI" sz="3600" dirty="0" err="1">
+                <a:solidFill>
+                  <a:schemeClr val="tx1"/>
+                </a:solidFill>
+              </a:rPr>
+              <a:t>more</a:t>
+            </a:r>
+            <a:r>
+              <a:rPr lang="fi-FI" sz="3600" dirty="0">
+                <a:solidFill>
+                  <a:schemeClr val="tx1"/>
+                </a:solidFill>
+              </a:rPr>
+              <a:t> </a:t>
+            </a:r>
+            <a:r>
+              <a:rPr lang="fi-FI" sz="3600" dirty="0" err="1">
+                <a:solidFill>
+                  <a:schemeClr val="tx1"/>
+                </a:solidFill>
+              </a:rPr>
+              <a:t>secure</a:t>
+            </a:r>
+            <a:r>
+              <a:rPr lang="fi-FI" sz="3600" dirty="0">
+                <a:solidFill>
+                  <a:schemeClr val="tx1"/>
+                </a:solidFill>
+              </a:rPr>
+              <a:t> </a:t>
+            </a:r>
+            <a:r>
+              <a:rPr lang="fi-FI" sz="3600" dirty="0" err="1">
+                <a:solidFill>
+                  <a:schemeClr val="tx1"/>
+                </a:solidFill>
+              </a:rPr>
+              <a:t>way</a:t>
+            </a:r>
+            <a:r>
+              <a:rPr lang="fi-FI" sz="3600" dirty="0">
+                <a:solidFill>
+                  <a:schemeClr val="tx1"/>
+                </a:solidFill>
+              </a:rPr>
+              <a:t> of </a:t>
+            </a:r>
+            <a:r>
+              <a:rPr lang="fi-FI" sz="3600" dirty="0" err="1">
+                <a:solidFill>
+                  <a:schemeClr val="tx1"/>
+                </a:solidFill>
+              </a:rPr>
+              <a:t>authentication</a:t>
+            </a:r>
+            <a:endParaRPr lang="fi-FI" sz="3600" dirty="0">
+              <a:solidFill>
+                <a:schemeClr val="tx1"/>
+              </a:solidFill>
+            </a:endParaRPr>
+          </a:p>
+          <a:p>
+            <a:r>
+              <a:rPr lang="fi-FI" sz="3600" dirty="0" err="1">
+                <a:solidFill>
+                  <a:schemeClr val="tx1"/>
+                </a:solidFill>
+              </a:rPr>
+              <a:t>Includes</a:t>
+            </a:r>
+            <a:r>
+              <a:rPr lang="fi-FI" sz="3600" dirty="0">
+                <a:solidFill>
+                  <a:schemeClr val="tx1"/>
+                </a:solidFill>
+              </a:rPr>
+              <a:t> </a:t>
+            </a:r>
+            <a:r>
+              <a:rPr lang="fi-FI" sz="3600" dirty="0" err="1">
+                <a:solidFill>
+                  <a:schemeClr val="tx1"/>
+                </a:solidFill>
+              </a:rPr>
+              <a:t>two</a:t>
+            </a:r>
+            <a:r>
+              <a:rPr lang="fi-FI" sz="3600" dirty="0">
+                <a:solidFill>
+                  <a:schemeClr val="tx1"/>
+                </a:solidFill>
+              </a:rPr>
+              <a:t> </a:t>
+            </a:r>
+            <a:r>
+              <a:rPr lang="fi-FI" sz="3600" dirty="0" err="1">
+                <a:solidFill>
+                  <a:schemeClr val="tx1"/>
+                </a:solidFill>
+              </a:rPr>
+              <a:t>or</a:t>
+            </a:r>
+            <a:r>
+              <a:rPr lang="fi-FI" sz="3600" dirty="0">
+                <a:solidFill>
+                  <a:schemeClr val="tx1"/>
+                </a:solidFill>
+              </a:rPr>
+              <a:t> </a:t>
+            </a:r>
+            <a:r>
+              <a:rPr lang="fi-FI" sz="3600" dirty="0" err="1">
+                <a:solidFill>
+                  <a:schemeClr val="tx1"/>
+                </a:solidFill>
+              </a:rPr>
+              <a:t>more</a:t>
+            </a:r>
+            <a:r>
+              <a:rPr lang="fi-FI" sz="3600" dirty="0">
+                <a:solidFill>
+                  <a:schemeClr val="tx1"/>
+                </a:solidFill>
+              </a:rPr>
+              <a:t> </a:t>
+            </a:r>
+            <a:r>
+              <a:rPr lang="fi-FI" sz="3600" dirty="0" err="1">
+                <a:solidFill>
+                  <a:schemeClr val="tx1"/>
+                </a:solidFill>
+              </a:rPr>
+              <a:t>methods</a:t>
+            </a:r>
+            <a:r>
+              <a:rPr lang="fi-FI" sz="3600" dirty="0">
+                <a:solidFill>
+                  <a:schemeClr val="tx1"/>
+                </a:solidFill>
+              </a:rPr>
+              <a:t> of </a:t>
+            </a:r>
+            <a:r>
+              <a:rPr lang="fi-FI" sz="3600" dirty="0" err="1">
+                <a:solidFill>
+                  <a:schemeClr val="tx1"/>
+                </a:solidFill>
+              </a:rPr>
+              <a:t>verifying</a:t>
+            </a:r>
+            <a:r>
+              <a:rPr lang="fi-FI" sz="3600" dirty="0">
+                <a:solidFill>
+                  <a:schemeClr val="tx1"/>
+                </a:solidFill>
+              </a:rPr>
+              <a:t> </a:t>
+            </a:r>
+            <a:r>
+              <a:rPr lang="fi-FI" sz="3600" dirty="0" err="1">
+                <a:solidFill>
+                  <a:schemeClr val="tx1"/>
+                </a:solidFill>
+              </a:rPr>
+              <a:t>identity</a:t>
+            </a:r>
+            <a:endParaRPr lang="fi-FI" sz="3600" dirty="0">
+              <a:solidFill>
+                <a:schemeClr val="tx1"/>
+              </a:solidFill>
+            </a:endParaRPr>
+          </a:p>
+          <a:p>
+            <a:endParaRPr lang="en-GB" sz="3800" dirty="0">
+              <a:solidFill>
+                <a:schemeClr val="tx1"/>
+              </a:solidFill>
+            </a:endParaRPr>
+          </a:p>
+        </p:txBody>
+      </p:sp>
+    </p:spTree>
+    <p:extLst>
+      <p:ext uri="{BB962C8B-B14F-4D97-AF65-F5344CB8AC3E}">
+        <p14:creationId xmlns:p14="http://schemas.microsoft.com/office/powerpoint/2010/main" val="327279176"/>
+      </p:ext>
+    </p:extLst>
+  </p:cSld>
+  <p:clrMapOvr>
+    <a:masterClrMapping/>
+  </p:clrMapOvr>
+</p:sld>
+</file>
+
+<file path=ppt/slides/slide8.xml><?xml version="1.0" encoding="utf-8"?>
+<p:sld xmlns:a="http://schemas.openxmlformats.org/drawingml/2006/main" xmlns:r="http://schemas.openxmlformats.org/officeDocument/2006/relationships" xmlns:p="http://schemas.openxmlformats.org/presentationml/2006/main">
+  <p:cSld>
+    <p:spTree>
+      <p:nvGrpSpPr>
+        <p:cNvPr id="1" name=""/>
+        <p:cNvGrpSpPr/>
+        <p:nvPr/>
+      </p:nvGrpSpPr>
+      <p:grpSpPr>
+        <a:xfrm>
+          <a:off x="0" y="0"/>
+          <a:ext cx="0" cy="0"/>
+          <a:chOff x="0" y="0"/>
+          <a:chExt cx="0" cy="0"/>
+        </a:xfrm>
+      </p:grpSpPr>
+      <p:sp>
+        <p:nvSpPr>
+          <p:cNvPr id="3" name="Sisällön paikkamerkki 2"/>
+          <p:cNvSpPr>
+            <a:spLocks noGrp="1"/>
+          </p:cNvSpPr>
+          <p:nvPr>
+            <p:ph idx="1"/>
+          </p:nvPr>
+        </p:nvSpPr>
+        <p:spPr>
+          <a:xfrm>
+            <a:off x="541599" y="402671"/>
+            <a:ext cx="8534400" cy="4857226"/>
+          </a:xfrm>
+        </p:spPr>
+        <p:txBody>
+          <a:bodyPr>
+            <a:normAutofit lnSpcReduction="10000"/>
+          </a:bodyPr>
+          <a:lstStyle/>
+          <a:p>
+            <a:r>
+              <a:rPr lang="fi-FI" sz="3800" dirty="0" err="1">
+                <a:solidFill>
+                  <a:schemeClr val="tx1"/>
+                </a:solidFill>
+              </a:rPr>
+              <a:t>Examples</a:t>
+            </a:r>
+            <a:r>
+              <a:rPr lang="fi-FI" sz="3800" dirty="0">
+                <a:solidFill>
+                  <a:schemeClr val="tx1"/>
+                </a:solidFill>
+              </a:rPr>
+              <a:t> of </a:t>
+            </a:r>
+            <a:r>
+              <a:rPr lang="fi-FI" sz="3800" dirty="0" err="1">
+                <a:solidFill>
+                  <a:schemeClr val="tx1"/>
+                </a:solidFill>
+              </a:rPr>
+              <a:t>multi-factor</a:t>
+            </a:r>
+            <a:r>
+              <a:rPr lang="fi-FI" sz="3800" dirty="0">
+                <a:solidFill>
+                  <a:schemeClr val="tx1"/>
+                </a:solidFill>
+              </a:rPr>
+              <a:t> </a:t>
+            </a:r>
+            <a:r>
+              <a:rPr lang="fi-FI" sz="3800" dirty="0" err="1">
+                <a:solidFill>
+                  <a:schemeClr val="tx1"/>
+                </a:solidFill>
+              </a:rPr>
+              <a:t>authentication</a:t>
+            </a:r>
+            <a:endParaRPr lang="fi-FI" sz="3800" dirty="0">
+              <a:solidFill>
+                <a:schemeClr val="tx1"/>
+              </a:solidFill>
+            </a:endParaRPr>
+          </a:p>
+          <a:p>
+            <a:pPr lvl="1">
+              <a:buFont typeface="Arial" panose="020B0604020202020204" pitchFamily="34" charset="0"/>
+              <a:buChar char="•"/>
+            </a:pPr>
+            <a:r>
+              <a:rPr lang="fi-FI" sz="3200" dirty="0" err="1">
+                <a:solidFill>
+                  <a:schemeClr val="tx1"/>
+                </a:solidFill>
+              </a:rPr>
+              <a:t>Keylist</a:t>
+            </a:r>
+            <a:r>
+              <a:rPr lang="fi-FI" sz="3200" dirty="0">
+                <a:solidFill>
+                  <a:schemeClr val="tx1"/>
+                </a:solidFill>
+              </a:rPr>
+              <a:t> + </a:t>
+            </a:r>
+            <a:r>
+              <a:rPr lang="fi-FI" sz="3200" dirty="0" err="1">
+                <a:solidFill>
+                  <a:schemeClr val="tx1"/>
+                </a:solidFill>
+              </a:rPr>
+              <a:t>pin</a:t>
+            </a:r>
+            <a:endParaRPr lang="fi-FI" sz="3200" dirty="0">
+              <a:solidFill>
+                <a:schemeClr val="tx1"/>
+              </a:solidFill>
+            </a:endParaRPr>
+          </a:p>
+          <a:p>
+            <a:pPr lvl="1">
+              <a:buFont typeface="Arial" panose="020B0604020202020204" pitchFamily="34" charset="0"/>
+              <a:buChar char="•"/>
+            </a:pPr>
+            <a:r>
+              <a:rPr lang="fi-FI" sz="3200" dirty="0" err="1">
+                <a:solidFill>
+                  <a:schemeClr val="tx1"/>
+                </a:solidFill>
+              </a:rPr>
+              <a:t>Password</a:t>
+            </a:r>
+            <a:r>
+              <a:rPr lang="fi-FI" sz="3200" dirty="0">
+                <a:solidFill>
+                  <a:schemeClr val="tx1"/>
+                </a:solidFill>
+              </a:rPr>
+              <a:t> + </a:t>
+            </a:r>
+            <a:r>
+              <a:rPr lang="fi-FI" sz="3200" dirty="0" err="1">
+                <a:solidFill>
+                  <a:schemeClr val="tx1"/>
+                </a:solidFill>
+              </a:rPr>
+              <a:t>authenticator</a:t>
+            </a:r>
+            <a:endParaRPr lang="fi-FI" sz="3200" dirty="0">
+              <a:solidFill>
+                <a:schemeClr val="tx1"/>
+              </a:solidFill>
+            </a:endParaRPr>
+          </a:p>
+          <a:p>
+            <a:pPr lvl="1">
+              <a:buFont typeface="Wingdings" panose="05000000000000000000" pitchFamily="2" charset="2"/>
+              <a:buChar char="Ø"/>
+            </a:pPr>
+            <a:r>
+              <a:rPr lang="fi-FI" sz="3200" dirty="0" err="1">
+                <a:solidFill>
+                  <a:schemeClr val="tx1"/>
+                </a:solidFill>
+              </a:rPr>
+              <a:t>authenticator</a:t>
+            </a:r>
+            <a:r>
+              <a:rPr lang="fi-FI" sz="3200" dirty="0">
+                <a:solidFill>
+                  <a:schemeClr val="tx1"/>
+                </a:solidFill>
+              </a:rPr>
+              <a:t> </a:t>
+            </a:r>
+            <a:r>
+              <a:rPr lang="fi-FI" sz="3200" dirty="0" err="1">
+                <a:solidFill>
+                  <a:schemeClr val="tx1"/>
+                </a:solidFill>
+              </a:rPr>
+              <a:t>provides</a:t>
+            </a:r>
+            <a:r>
+              <a:rPr lang="fi-FI" sz="3200" dirty="0">
+                <a:solidFill>
+                  <a:schemeClr val="tx1"/>
+                </a:solidFill>
+              </a:rPr>
+              <a:t> 6-8 </a:t>
+            </a:r>
+            <a:r>
+              <a:rPr lang="fi-FI" sz="3200" dirty="0" err="1">
+                <a:solidFill>
+                  <a:schemeClr val="tx1"/>
+                </a:solidFill>
+              </a:rPr>
+              <a:t>digits</a:t>
+            </a:r>
+            <a:r>
+              <a:rPr lang="fi-FI" sz="3200" dirty="0">
+                <a:solidFill>
+                  <a:schemeClr val="tx1"/>
+                </a:solidFill>
+              </a:rPr>
+              <a:t> </a:t>
+            </a:r>
+            <a:r>
+              <a:rPr lang="fi-FI" sz="3200" dirty="0" err="1">
+                <a:solidFill>
+                  <a:schemeClr val="tx1"/>
+                </a:solidFill>
+              </a:rPr>
+              <a:t>that</a:t>
+            </a:r>
+            <a:r>
+              <a:rPr lang="fi-FI" sz="3200" dirty="0">
+                <a:solidFill>
+                  <a:schemeClr val="tx1"/>
+                </a:solidFill>
+              </a:rPr>
+              <a:t> </a:t>
+            </a:r>
+            <a:r>
+              <a:rPr lang="fi-FI" sz="3200" dirty="0" err="1">
+                <a:solidFill>
+                  <a:schemeClr val="tx1"/>
+                </a:solidFill>
+              </a:rPr>
+              <a:t>are</a:t>
+            </a:r>
+            <a:r>
+              <a:rPr lang="fi-FI" sz="3200" dirty="0">
+                <a:solidFill>
+                  <a:schemeClr val="tx1"/>
+                </a:solidFill>
+              </a:rPr>
+              <a:t> </a:t>
+            </a:r>
+            <a:r>
+              <a:rPr lang="fi-FI" sz="3200" dirty="0" err="1">
+                <a:solidFill>
+                  <a:schemeClr val="tx1"/>
+                </a:solidFill>
+              </a:rPr>
+              <a:t>required</a:t>
+            </a:r>
+            <a:r>
+              <a:rPr lang="fi-FI" sz="3200" dirty="0">
+                <a:solidFill>
+                  <a:schemeClr val="tx1"/>
+                </a:solidFill>
+              </a:rPr>
+              <a:t> </a:t>
+            </a:r>
+            <a:r>
+              <a:rPr lang="fi-FI" sz="3200" dirty="0" err="1">
+                <a:solidFill>
+                  <a:schemeClr val="tx1"/>
+                </a:solidFill>
+              </a:rPr>
+              <a:t>along</a:t>
+            </a:r>
+            <a:r>
+              <a:rPr lang="fi-FI" sz="3200" dirty="0">
+                <a:solidFill>
+                  <a:schemeClr val="tx1"/>
+                </a:solidFill>
+              </a:rPr>
+              <a:t> </a:t>
+            </a:r>
+            <a:r>
+              <a:rPr lang="fi-FI" sz="3200" dirty="0" err="1">
+                <a:solidFill>
+                  <a:schemeClr val="tx1"/>
+                </a:solidFill>
+              </a:rPr>
+              <a:t>with</a:t>
+            </a:r>
+            <a:r>
+              <a:rPr lang="fi-FI" sz="3200" dirty="0">
+                <a:solidFill>
+                  <a:schemeClr val="tx1"/>
+                </a:solidFill>
+              </a:rPr>
+              <a:t> </a:t>
+            </a:r>
+            <a:r>
+              <a:rPr lang="fi-FI" sz="3200" dirty="0" err="1">
+                <a:solidFill>
+                  <a:schemeClr val="tx1"/>
+                </a:solidFill>
+              </a:rPr>
+              <a:t>password</a:t>
+            </a:r>
+            <a:endParaRPr lang="fi-FI" sz="3200" dirty="0">
+              <a:solidFill>
+                <a:schemeClr val="tx1"/>
+              </a:solidFill>
+            </a:endParaRPr>
+          </a:p>
+          <a:p>
+            <a:pPr lvl="1">
+              <a:buFont typeface="Wingdings" panose="05000000000000000000" pitchFamily="2" charset="2"/>
+              <a:buChar char="Ø"/>
+            </a:pPr>
+            <a:r>
+              <a:rPr lang="fi-FI" sz="3200" dirty="0" err="1">
+                <a:solidFill>
+                  <a:schemeClr val="tx1"/>
+                </a:solidFill>
+              </a:rPr>
+              <a:t>Digits</a:t>
+            </a:r>
+            <a:r>
+              <a:rPr lang="fi-FI" sz="3200" dirty="0">
+                <a:solidFill>
+                  <a:schemeClr val="tx1"/>
+                </a:solidFill>
+              </a:rPr>
+              <a:t> </a:t>
+            </a:r>
+            <a:r>
+              <a:rPr lang="fi-FI" sz="3200" dirty="0" err="1">
+                <a:solidFill>
+                  <a:schemeClr val="tx1"/>
+                </a:solidFill>
+              </a:rPr>
+              <a:t>change</a:t>
+            </a:r>
+            <a:r>
+              <a:rPr lang="fi-FI" sz="3200" dirty="0">
+                <a:solidFill>
+                  <a:schemeClr val="tx1"/>
+                </a:solidFill>
+              </a:rPr>
+              <a:t> </a:t>
+            </a:r>
+            <a:r>
+              <a:rPr lang="fi-FI" sz="3200" dirty="0" err="1">
+                <a:solidFill>
+                  <a:schemeClr val="tx1"/>
+                </a:solidFill>
+              </a:rPr>
+              <a:t>after</a:t>
+            </a:r>
+            <a:r>
+              <a:rPr lang="fi-FI" sz="3200" dirty="0">
+                <a:solidFill>
+                  <a:schemeClr val="tx1"/>
+                </a:solidFill>
+              </a:rPr>
+              <a:t> </a:t>
+            </a:r>
+            <a:r>
+              <a:rPr lang="fi-FI" sz="3200" dirty="0" err="1">
+                <a:solidFill>
+                  <a:schemeClr val="tx1"/>
+                </a:solidFill>
+              </a:rPr>
+              <a:t>certain</a:t>
+            </a:r>
+            <a:r>
+              <a:rPr lang="fi-FI" sz="3200" dirty="0">
+                <a:solidFill>
+                  <a:schemeClr val="tx1"/>
+                </a:solidFill>
+              </a:rPr>
+              <a:t> </a:t>
+            </a:r>
+            <a:r>
+              <a:rPr lang="fi-FI" sz="3200" dirty="0" err="1">
+                <a:solidFill>
+                  <a:schemeClr val="tx1"/>
+                </a:solidFill>
+              </a:rPr>
+              <a:t>time</a:t>
+            </a:r>
+            <a:r>
+              <a:rPr lang="fi-FI" sz="3200" dirty="0">
+                <a:solidFill>
+                  <a:schemeClr val="tx1"/>
+                </a:solidFill>
+              </a:rPr>
+              <a:t> </a:t>
+            </a:r>
+            <a:r>
+              <a:rPr lang="fi-FI" sz="3200" dirty="0" err="1">
+                <a:solidFill>
+                  <a:schemeClr val="tx1"/>
+                </a:solidFill>
+              </a:rPr>
+              <a:t>period</a:t>
+            </a:r>
+            <a:endParaRPr lang="fi-FI" sz="3200" dirty="0">
+              <a:solidFill>
+                <a:schemeClr val="tx1"/>
+              </a:solidFill>
+            </a:endParaRPr>
+          </a:p>
+          <a:p>
+            <a:endParaRPr lang="en-GB" sz="3800" dirty="0">
+              <a:solidFill>
+                <a:schemeClr val="tx1"/>
+              </a:solidFill>
+            </a:endParaRPr>
+          </a:p>
+        </p:txBody>
+      </p:sp>
+    </p:spTree>
+    <p:extLst>
+      <p:ext uri="{BB962C8B-B14F-4D97-AF65-F5344CB8AC3E}">
+        <p14:creationId xmlns:p14="http://schemas.microsoft.com/office/powerpoint/2010/main" val="2686475842"/>
+      </p:ext>
+    </p:extLst>
+  </p:cSld>
+  <p:clrMapOvr>
+    <a:masterClrMapping/>
+  </p:clrMapOvr>
+</p:sld>
+</file>
+
+<file path=ppt/slides/slide9.xml><?xml version="1.0" encoding="utf-8"?>
+<p:sld xmlns:a="http://schemas.openxmlformats.org/drawingml/2006/main" xmlns:r="http://schemas.openxmlformats.org/officeDocument/2006/relationships" xmlns:p="http://schemas.openxmlformats.org/presentationml/2006/main">
+  <p:cSld>
+    <p:spTree>
+      <p:nvGrpSpPr>
+        <p:cNvPr id="1" name=""/>
+        <p:cNvGrpSpPr/>
+        <p:nvPr/>
+      </p:nvGrpSpPr>
+      <p:grpSpPr>
+        <a:xfrm>
+          <a:off x="0" y="0"/>
+          <a:ext cx="0" cy="0"/>
+          <a:chOff x="0" y="0"/>
+          <a:chExt cx="0" cy="0"/>
+        </a:xfrm>
+      </p:grpSpPr>
+      <p:sp>
+        <p:nvSpPr>
+          <p:cNvPr id="2" name="Otsikko 1"/>
+          <p:cNvSpPr>
+            <a:spLocks noGrp="1"/>
+          </p:cNvSpPr>
+          <p:nvPr>
+            <p:ph type="title"/>
+          </p:nvPr>
+        </p:nvSpPr>
+        <p:spPr>
+          <a:xfrm>
+            <a:off x="684212" y="0"/>
+            <a:ext cx="8534400" cy="1507067"/>
+          </a:xfrm>
+        </p:spPr>
+        <p:txBody>
+          <a:bodyPr>
+            <a:normAutofit/>
+          </a:bodyPr>
+          <a:lstStyle/>
+          <a:p>
+            <a:r>
+              <a:rPr lang="fi-FI" sz="3800" dirty="0" err="1"/>
+              <a:t>Authorization</a:t>
+            </a:r>
+            <a:endParaRPr lang="en-GB" sz="3800" dirty="0"/>
+          </a:p>
+        </p:txBody>
+      </p:sp>
+      <p:sp>
+        <p:nvSpPr>
+          <p:cNvPr id="3" name="Sisällön paikkamerkki 2"/>
+          <p:cNvSpPr>
+            <a:spLocks noGrp="1"/>
+          </p:cNvSpPr>
+          <p:nvPr>
+            <p:ph idx="1"/>
+          </p:nvPr>
+        </p:nvSpPr>
+        <p:spPr>
+          <a:xfrm>
+            <a:off x="684212" y="1507067"/>
+            <a:ext cx="8534400" cy="3615267"/>
+          </a:xfrm>
+        </p:spPr>
+        <p:txBody>
+          <a:bodyPr>
+            <a:normAutofit/>
+          </a:bodyPr>
+          <a:lstStyle/>
+          <a:p>
+            <a:r>
+              <a:rPr lang="fi-FI" sz="3600" dirty="0" err="1">
+                <a:solidFill>
+                  <a:schemeClr val="tx1"/>
+                </a:solidFill>
+              </a:rPr>
+              <a:t>Refers</a:t>
+            </a:r>
+            <a:r>
+              <a:rPr lang="fi-FI" sz="3600" dirty="0">
+                <a:solidFill>
+                  <a:schemeClr val="tx1"/>
+                </a:solidFill>
+              </a:rPr>
+              <a:t> to </a:t>
+            </a:r>
+            <a:r>
+              <a:rPr lang="fi-FI" sz="3600" dirty="0" err="1">
+                <a:solidFill>
+                  <a:schemeClr val="tx1"/>
+                </a:solidFill>
+              </a:rPr>
+              <a:t>who</a:t>
+            </a:r>
+            <a:r>
+              <a:rPr lang="fi-FI" sz="3600" dirty="0">
+                <a:solidFill>
+                  <a:schemeClr val="tx1"/>
+                </a:solidFill>
+              </a:rPr>
+              <a:t> is </a:t>
+            </a:r>
+            <a:r>
+              <a:rPr lang="fi-FI" sz="3600" dirty="0" err="1">
+                <a:solidFill>
+                  <a:schemeClr val="tx1"/>
+                </a:solidFill>
+              </a:rPr>
+              <a:t>allowed</a:t>
+            </a:r>
+            <a:r>
+              <a:rPr lang="fi-FI" sz="3600" dirty="0">
+                <a:solidFill>
+                  <a:schemeClr val="tx1"/>
+                </a:solidFill>
+              </a:rPr>
+              <a:t> to </a:t>
+            </a:r>
+            <a:r>
+              <a:rPr lang="fi-FI" sz="3600" dirty="0" err="1">
+                <a:solidFill>
+                  <a:schemeClr val="tx1"/>
+                </a:solidFill>
+              </a:rPr>
+              <a:t>do</a:t>
+            </a:r>
+            <a:r>
+              <a:rPr lang="fi-FI" sz="3600" dirty="0">
+                <a:solidFill>
+                  <a:schemeClr val="tx1"/>
+                </a:solidFill>
+              </a:rPr>
+              <a:t> </a:t>
+            </a:r>
+            <a:r>
+              <a:rPr lang="fi-FI" sz="3600" dirty="0" err="1">
+                <a:solidFill>
+                  <a:schemeClr val="tx1"/>
+                </a:solidFill>
+              </a:rPr>
+              <a:t>something</a:t>
+            </a:r>
+            <a:endParaRPr lang="fi-FI" sz="3600" dirty="0">
+              <a:solidFill>
+                <a:schemeClr val="tx1"/>
+              </a:solidFill>
+            </a:endParaRPr>
+          </a:p>
+          <a:p>
+            <a:r>
+              <a:rPr lang="fi-FI" sz="3600" dirty="0" err="1">
+                <a:solidFill>
+                  <a:schemeClr val="tx1"/>
+                </a:solidFill>
+              </a:rPr>
+              <a:t>Checks</a:t>
+            </a:r>
+            <a:r>
+              <a:rPr lang="fi-FI" sz="3600" dirty="0">
+                <a:solidFill>
+                  <a:schemeClr val="tx1"/>
+                </a:solidFill>
+              </a:rPr>
+              <a:t> </a:t>
+            </a:r>
+            <a:r>
+              <a:rPr lang="fi-FI" sz="3600" dirty="0" err="1">
+                <a:solidFill>
+                  <a:schemeClr val="tx1"/>
+                </a:solidFill>
+              </a:rPr>
+              <a:t>if</a:t>
+            </a:r>
+            <a:r>
+              <a:rPr lang="fi-FI" sz="3600" dirty="0">
+                <a:solidFill>
+                  <a:schemeClr val="tx1"/>
+                </a:solidFill>
+              </a:rPr>
+              <a:t> </a:t>
+            </a:r>
+            <a:r>
+              <a:rPr lang="fi-FI" sz="3600" dirty="0" err="1">
+                <a:solidFill>
+                  <a:schemeClr val="tx1"/>
+                </a:solidFill>
+              </a:rPr>
+              <a:t>the</a:t>
+            </a:r>
+            <a:r>
+              <a:rPr lang="fi-FI" sz="3600" dirty="0">
+                <a:solidFill>
+                  <a:schemeClr val="tx1"/>
+                </a:solidFill>
+              </a:rPr>
+              <a:t> </a:t>
+            </a:r>
+            <a:r>
+              <a:rPr lang="fi-FI" sz="3600" dirty="0" err="1">
+                <a:solidFill>
+                  <a:schemeClr val="tx1"/>
+                </a:solidFill>
+              </a:rPr>
+              <a:t>user</a:t>
+            </a:r>
+            <a:r>
+              <a:rPr lang="fi-FI" sz="3600" dirty="0">
+                <a:solidFill>
+                  <a:schemeClr val="tx1"/>
+                </a:solidFill>
+              </a:rPr>
+              <a:t> is </a:t>
+            </a:r>
+            <a:r>
+              <a:rPr lang="fi-FI" sz="3600" dirty="0" err="1">
+                <a:solidFill>
+                  <a:schemeClr val="tx1"/>
+                </a:solidFill>
+              </a:rPr>
+              <a:t>permitted</a:t>
+            </a:r>
+            <a:r>
+              <a:rPr lang="fi-FI" sz="3600" dirty="0">
+                <a:solidFill>
+                  <a:schemeClr val="tx1"/>
+                </a:solidFill>
+              </a:rPr>
+              <a:t> </a:t>
+            </a:r>
+            <a:r>
+              <a:rPr lang="fi-FI" sz="3600" dirty="0" err="1">
+                <a:solidFill>
+                  <a:schemeClr val="tx1"/>
+                </a:solidFill>
+              </a:rPr>
+              <a:t>access</a:t>
+            </a:r>
+            <a:r>
+              <a:rPr lang="fi-FI" sz="3600" dirty="0">
+                <a:solidFill>
+                  <a:schemeClr val="tx1"/>
+                </a:solidFill>
+              </a:rPr>
+              <a:t> to </a:t>
+            </a:r>
+            <a:r>
+              <a:rPr lang="fi-FI" sz="3600" dirty="0" err="1">
+                <a:solidFill>
+                  <a:schemeClr val="tx1"/>
+                </a:solidFill>
+              </a:rPr>
+              <a:t>certain</a:t>
+            </a:r>
+            <a:r>
+              <a:rPr lang="fi-FI" sz="3600" dirty="0">
+                <a:solidFill>
+                  <a:schemeClr val="tx1"/>
+                </a:solidFill>
+              </a:rPr>
+              <a:t> </a:t>
+            </a:r>
+            <a:r>
+              <a:rPr lang="fi-FI" sz="3600" dirty="0" err="1">
+                <a:solidFill>
+                  <a:schemeClr val="tx1"/>
+                </a:solidFill>
+              </a:rPr>
+              <a:t>resources</a:t>
+            </a:r>
+            <a:endParaRPr lang="fi-FI" sz="3600" dirty="0">
+              <a:solidFill>
+                <a:schemeClr val="tx1"/>
+              </a:solidFill>
+            </a:endParaRPr>
+          </a:p>
+          <a:p>
+            <a:endParaRPr lang="en-GB" sz="3800" dirty="0">
+              <a:solidFill>
+                <a:schemeClr val="tx1"/>
+              </a:solidFill>
+            </a:endParaRPr>
+          </a:p>
+        </p:txBody>
+      </p:sp>
+    </p:spTree>
+    <p:extLst>
+      <p:ext uri="{BB962C8B-B14F-4D97-AF65-F5344CB8AC3E}">
+        <p14:creationId xmlns:p14="http://schemas.microsoft.com/office/powerpoint/2010/main" val="2720709809"/>
+      </p:ext>
+    </p:extLst>
+  </p:cSld>
+  <p:clrMapOvr>
+    <a:masterClrMapping/>
+  </p:clrMapOvr>
+</p:sld>
+</file>
+
 <file path=ppt/theme/theme1.xml><?xml version="1.0" encoding="utf-8"?>
 <a:theme xmlns:a="http://schemas.openxmlformats.org/drawingml/2006/main" name="Sektori">
   <a:themeElements>
